--- a/appendix/genImagesExamples.pptx
+++ b/appendix/genImagesExamples.pptx
@@ -8,6 +8,8 @@
     <p:sldId id="256" r:id="rId2"/>
     <p:sldId id="257" r:id="rId3"/>
     <p:sldId id="258" r:id="rId4"/>
+    <p:sldId id="259" r:id="rId5"/>
+    <p:sldId id="260" r:id="rId6"/>
   </p:sldIdLst>
   <p:sldSz cx="9144000" cy="6858000" type="screen4x3"/>
   <p:notesSz cx="6858000" cy="9144000"/>
@@ -4289,14 +4291,14 @@
             <a:noFill/>
           </a:ln>
           <a:extLst>
-            <a:ext uri="{909E8E84-426E-40DD-AFC4-6F175D3DCCD1}">
+            <a:ext uri="{909E8E84-426E-40dd-AFC4-6F175D3DCCD1}">
               <a14:hiddenFill xmlns:a14="http://schemas.microsoft.com/office/drawing/2010/main">
                 <a:solidFill>
                   <a:schemeClr val="accent1"/>
                 </a:solidFill>
               </a14:hiddenFill>
             </a:ext>
-            <a:ext uri="{91240B29-F687-4F45-9708-019B960494DF}">
+            <a:ext uri="{91240B29-F687-4f45-9708-019B960494DF}">
               <a14:hiddenLine xmlns:a14="http://schemas.microsoft.com/office/drawing/2010/main" w="9525">
                 <a:solidFill>
                   <a:schemeClr val="tx1"/>
@@ -4527,6 +4529,1792 @@
     <p:extLst>
       <p:ext uri="{BB962C8B-B14F-4D97-AF65-F5344CB8AC3E}">
         <p14:creationId xmlns:p14="http://schemas.microsoft.com/office/powerpoint/2010/main" val="2553717158"/>
+      </p:ext>
+    </p:extLst>
+  </p:cSld>
+  <p:clrMapOvr>
+    <a:masterClrMapping/>
+  </p:clrMapOvr>
+</p:sld>
+</file>
+
+<file path=ppt/slides/slide4.xml><?xml version="1.0" encoding="utf-8"?>
+<p:sld xmlns:a="http://schemas.openxmlformats.org/drawingml/2006/main" xmlns:r="http://schemas.openxmlformats.org/officeDocument/2006/relationships" xmlns:p="http://schemas.openxmlformats.org/presentationml/2006/main">
+  <p:cSld>
+    <p:spTree>
+      <p:nvGrpSpPr>
+        <p:cNvPr id="1" name=""/>
+        <p:cNvGrpSpPr/>
+        <p:nvPr/>
+      </p:nvGrpSpPr>
+      <p:grpSpPr>
+        <a:xfrm>
+          <a:off x="0" y="0"/>
+          <a:ext cx="0" cy="0"/>
+          <a:chOff x="0" y="0"/>
+          <a:chExt cx="0" cy="0"/>
+        </a:xfrm>
+      </p:grpSpPr>
+      <p:sp>
+        <p:nvSpPr>
+          <p:cNvPr id="4" name="矩形 3"/>
+          <p:cNvSpPr/>
+          <p:nvPr/>
+        </p:nvSpPr>
+        <p:spPr>
+          <a:xfrm>
+            <a:off x="2598553" y="2621971"/>
+            <a:ext cx="648072" cy="360040"/>
+          </a:xfrm>
+          <a:prstGeom prst="rect">
+            <a:avLst/>
+          </a:prstGeom>
+        </p:spPr>
+        <p:style>
+          <a:lnRef idx="2">
+            <a:schemeClr val="accent3">
+              <a:shade val="50000"/>
+            </a:schemeClr>
+          </a:lnRef>
+          <a:fillRef idx="1">
+            <a:schemeClr val="accent3"/>
+          </a:fillRef>
+          <a:effectRef idx="0">
+            <a:schemeClr val="accent3"/>
+          </a:effectRef>
+          <a:fontRef idx="minor">
+            <a:schemeClr val="lt1"/>
+          </a:fontRef>
+        </p:style>
+        <p:txBody>
+          <a:bodyPr rtlCol="0" anchor="ctr"/>
+          <a:lstStyle/>
+          <a:p>
+            <a:pPr algn="ctr"/>
+            <a:endParaRPr lang="zh-TW" altLang="en-US"/>
+          </a:p>
+        </p:txBody>
+      </p:sp>
+      <p:sp>
+        <p:nvSpPr>
+          <p:cNvPr id="5" name="矩形 4"/>
+          <p:cNvSpPr/>
+          <p:nvPr/>
+        </p:nvSpPr>
+        <p:spPr>
+          <a:xfrm>
+            <a:off x="2598149" y="3126027"/>
+            <a:ext cx="648072" cy="360040"/>
+          </a:xfrm>
+          <a:prstGeom prst="rect">
+            <a:avLst/>
+          </a:prstGeom>
+        </p:spPr>
+        <p:style>
+          <a:lnRef idx="2">
+            <a:schemeClr val="accent3">
+              <a:shade val="50000"/>
+            </a:schemeClr>
+          </a:lnRef>
+          <a:fillRef idx="1">
+            <a:schemeClr val="accent3"/>
+          </a:fillRef>
+          <a:effectRef idx="0">
+            <a:schemeClr val="accent3"/>
+          </a:effectRef>
+          <a:fontRef idx="minor">
+            <a:schemeClr val="lt1"/>
+          </a:fontRef>
+        </p:style>
+        <p:txBody>
+          <a:bodyPr rtlCol="0" anchor="ctr"/>
+          <a:lstStyle/>
+          <a:p>
+            <a:pPr algn="ctr"/>
+            <a:endParaRPr lang="zh-TW" altLang="en-US"/>
+          </a:p>
+        </p:txBody>
+      </p:sp>
+      <p:sp>
+        <p:nvSpPr>
+          <p:cNvPr id="6" name="矩形 5"/>
+          <p:cNvSpPr/>
+          <p:nvPr/>
+        </p:nvSpPr>
+        <p:spPr>
+          <a:xfrm>
+            <a:off x="2598149" y="3630083"/>
+            <a:ext cx="648072" cy="360040"/>
+          </a:xfrm>
+          <a:prstGeom prst="rect">
+            <a:avLst/>
+          </a:prstGeom>
+        </p:spPr>
+        <p:style>
+          <a:lnRef idx="2">
+            <a:schemeClr val="accent3">
+              <a:shade val="50000"/>
+            </a:schemeClr>
+          </a:lnRef>
+          <a:fillRef idx="1">
+            <a:schemeClr val="accent3"/>
+          </a:fillRef>
+          <a:effectRef idx="0">
+            <a:schemeClr val="accent3"/>
+          </a:effectRef>
+          <a:fontRef idx="minor">
+            <a:schemeClr val="lt1"/>
+          </a:fontRef>
+        </p:style>
+        <p:txBody>
+          <a:bodyPr rtlCol="0" anchor="ctr"/>
+          <a:lstStyle/>
+          <a:p>
+            <a:pPr algn="ctr"/>
+            <a:endParaRPr lang="zh-TW" altLang="en-US"/>
+          </a:p>
+        </p:txBody>
+      </p:sp>
+      <p:sp>
+        <p:nvSpPr>
+          <p:cNvPr id="7" name="矩形 6"/>
+          <p:cNvSpPr/>
+          <p:nvPr/>
+        </p:nvSpPr>
+        <p:spPr>
+          <a:xfrm>
+            <a:off x="2598149" y="4134139"/>
+            <a:ext cx="648072" cy="360040"/>
+          </a:xfrm>
+          <a:prstGeom prst="rect">
+            <a:avLst/>
+          </a:prstGeom>
+        </p:spPr>
+        <p:style>
+          <a:lnRef idx="2">
+            <a:schemeClr val="accent3">
+              <a:shade val="50000"/>
+            </a:schemeClr>
+          </a:lnRef>
+          <a:fillRef idx="1">
+            <a:schemeClr val="accent3"/>
+          </a:fillRef>
+          <a:effectRef idx="0">
+            <a:schemeClr val="accent3"/>
+          </a:effectRef>
+          <a:fontRef idx="minor">
+            <a:schemeClr val="lt1"/>
+          </a:fontRef>
+        </p:style>
+        <p:txBody>
+          <a:bodyPr rtlCol="0" anchor="ctr"/>
+          <a:lstStyle/>
+          <a:p>
+            <a:pPr algn="ctr"/>
+            <a:endParaRPr lang="zh-TW" altLang="en-US"/>
+          </a:p>
+        </p:txBody>
+      </p:sp>
+      <p:sp>
+        <p:nvSpPr>
+          <p:cNvPr id="8" name="矩形 7"/>
+          <p:cNvSpPr/>
+          <p:nvPr/>
+        </p:nvSpPr>
+        <p:spPr>
+          <a:xfrm>
+            <a:off x="3371393" y="2621971"/>
+            <a:ext cx="648072" cy="360040"/>
+          </a:xfrm>
+          <a:prstGeom prst="rect">
+            <a:avLst/>
+          </a:prstGeom>
+        </p:spPr>
+        <p:style>
+          <a:lnRef idx="2">
+            <a:schemeClr val="accent3">
+              <a:shade val="50000"/>
+            </a:schemeClr>
+          </a:lnRef>
+          <a:fillRef idx="1">
+            <a:schemeClr val="accent3"/>
+          </a:fillRef>
+          <a:effectRef idx="0">
+            <a:schemeClr val="accent3"/>
+          </a:effectRef>
+          <a:fontRef idx="minor">
+            <a:schemeClr val="lt1"/>
+          </a:fontRef>
+        </p:style>
+        <p:txBody>
+          <a:bodyPr rtlCol="0" anchor="ctr"/>
+          <a:lstStyle/>
+          <a:p>
+            <a:pPr algn="ctr"/>
+            <a:endParaRPr lang="zh-TW" altLang="en-US"/>
+          </a:p>
+        </p:txBody>
+      </p:sp>
+      <p:sp>
+        <p:nvSpPr>
+          <p:cNvPr id="9" name="矩形 8"/>
+          <p:cNvSpPr/>
+          <p:nvPr/>
+        </p:nvSpPr>
+        <p:spPr>
+          <a:xfrm>
+            <a:off x="3371393" y="3126027"/>
+            <a:ext cx="648072" cy="360040"/>
+          </a:xfrm>
+          <a:prstGeom prst="rect">
+            <a:avLst/>
+          </a:prstGeom>
+        </p:spPr>
+        <p:style>
+          <a:lnRef idx="2">
+            <a:schemeClr val="accent3">
+              <a:shade val="50000"/>
+            </a:schemeClr>
+          </a:lnRef>
+          <a:fillRef idx="1">
+            <a:schemeClr val="accent3"/>
+          </a:fillRef>
+          <a:effectRef idx="0">
+            <a:schemeClr val="accent3"/>
+          </a:effectRef>
+          <a:fontRef idx="minor">
+            <a:schemeClr val="lt1"/>
+          </a:fontRef>
+        </p:style>
+        <p:txBody>
+          <a:bodyPr rtlCol="0" anchor="ctr"/>
+          <a:lstStyle/>
+          <a:p>
+            <a:pPr algn="ctr"/>
+            <a:endParaRPr lang="zh-TW" altLang="en-US"/>
+          </a:p>
+        </p:txBody>
+      </p:sp>
+      <p:sp>
+        <p:nvSpPr>
+          <p:cNvPr id="10" name="矩形 9"/>
+          <p:cNvSpPr/>
+          <p:nvPr/>
+        </p:nvSpPr>
+        <p:spPr>
+          <a:xfrm>
+            <a:off x="3371393" y="3630083"/>
+            <a:ext cx="648072" cy="360040"/>
+          </a:xfrm>
+          <a:prstGeom prst="rect">
+            <a:avLst/>
+          </a:prstGeom>
+        </p:spPr>
+        <p:style>
+          <a:lnRef idx="2">
+            <a:schemeClr val="accent3">
+              <a:shade val="50000"/>
+            </a:schemeClr>
+          </a:lnRef>
+          <a:fillRef idx="1">
+            <a:schemeClr val="accent3"/>
+          </a:fillRef>
+          <a:effectRef idx="0">
+            <a:schemeClr val="accent3"/>
+          </a:effectRef>
+          <a:fontRef idx="minor">
+            <a:schemeClr val="lt1"/>
+          </a:fontRef>
+        </p:style>
+        <p:txBody>
+          <a:bodyPr rtlCol="0" anchor="ctr"/>
+          <a:lstStyle/>
+          <a:p>
+            <a:pPr algn="ctr"/>
+            <a:endParaRPr lang="zh-TW" altLang="en-US"/>
+          </a:p>
+        </p:txBody>
+      </p:sp>
+      <p:sp>
+        <p:nvSpPr>
+          <p:cNvPr id="11" name="矩形 10"/>
+          <p:cNvSpPr/>
+          <p:nvPr/>
+        </p:nvSpPr>
+        <p:spPr>
+          <a:xfrm>
+            <a:off x="3371393" y="4134139"/>
+            <a:ext cx="648072" cy="360040"/>
+          </a:xfrm>
+          <a:prstGeom prst="rect">
+            <a:avLst/>
+          </a:prstGeom>
+        </p:spPr>
+        <p:style>
+          <a:lnRef idx="2">
+            <a:schemeClr val="accent3">
+              <a:shade val="50000"/>
+            </a:schemeClr>
+          </a:lnRef>
+          <a:fillRef idx="1">
+            <a:schemeClr val="accent3"/>
+          </a:fillRef>
+          <a:effectRef idx="0">
+            <a:schemeClr val="accent3"/>
+          </a:effectRef>
+          <a:fontRef idx="minor">
+            <a:schemeClr val="lt1"/>
+          </a:fontRef>
+        </p:style>
+        <p:txBody>
+          <a:bodyPr rtlCol="0" anchor="ctr"/>
+          <a:lstStyle/>
+          <a:p>
+            <a:pPr algn="ctr"/>
+            <a:endParaRPr lang="zh-TW" altLang="en-US"/>
+          </a:p>
+        </p:txBody>
+      </p:sp>
+      <p:sp>
+        <p:nvSpPr>
+          <p:cNvPr id="12" name="矩形 11"/>
+          <p:cNvSpPr/>
+          <p:nvPr/>
+        </p:nvSpPr>
+        <p:spPr>
+          <a:xfrm>
+            <a:off x="4128120" y="2621971"/>
+            <a:ext cx="648072" cy="360040"/>
+          </a:xfrm>
+          <a:prstGeom prst="rect">
+            <a:avLst/>
+          </a:prstGeom>
+        </p:spPr>
+        <p:style>
+          <a:lnRef idx="2">
+            <a:schemeClr val="accent3">
+              <a:shade val="50000"/>
+            </a:schemeClr>
+          </a:lnRef>
+          <a:fillRef idx="1">
+            <a:schemeClr val="accent3"/>
+          </a:fillRef>
+          <a:effectRef idx="0">
+            <a:schemeClr val="accent3"/>
+          </a:effectRef>
+          <a:fontRef idx="minor">
+            <a:schemeClr val="lt1"/>
+          </a:fontRef>
+        </p:style>
+        <p:txBody>
+          <a:bodyPr rtlCol="0" anchor="ctr"/>
+          <a:lstStyle/>
+          <a:p>
+            <a:pPr algn="ctr"/>
+            <a:endParaRPr lang="zh-TW" altLang="en-US"/>
+          </a:p>
+        </p:txBody>
+      </p:sp>
+      <p:sp>
+        <p:nvSpPr>
+          <p:cNvPr id="13" name="矩形 12"/>
+          <p:cNvSpPr/>
+          <p:nvPr/>
+        </p:nvSpPr>
+        <p:spPr>
+          <a:xfrm>
+            <a:off x="4128120" y="3126027"/>
+            <a:ext cx="648072" cy="360040"/>
+          </a:xfrm>
+          <a:prstGeom prst="rect">
+            <a:avLst/>
+          </a:prstGeom>
+        </p:spPr>
+        <p:style>
+          <a:lnRef idx="2">
+            <a:schemeClr val="accent3">
+              <a:shade val="50000"/>
+            </a:schemeClr>
+          </a:lnRef>
+          <a:fillRef idx="1">
+            <a:schemeClr val="accent3"/>
+          </a:fillRef>
+          <a:effectRef idx="0">
+            <a:schemeClr val="accent3"/>
+          </a:effectRef>
+          <a:fontRef idx="minor">
+            <a:schemeClr val="lt1"/>
+          </a:fontRef>
+        </p:style>
+        <p:txBody>
+          <a:bodyPr rtlCol="0" anchor="ctr"/>
+          <a:lstStyle/>
+          <a:p>
+            <a:pPr algn="ctr"/>
+            <a:endParaRPr lang="zh-TW" altLang="en-US"/>
+          </a:p>
+        </p:txBody>
+      </p:sp>
+      <p:sp>
+        <p:nvSpPr>
+          <p:cNvPr id="14" name="矩形 13"/>
+          <p:cNvSpPr/>
+          <p:nvPr/>
+        </p:nvSpPr>
+        <p:spPr>
+          <a:xfrm>
+            <a:off x="4139952" y="3630083"/>
+            <a:ext cx="648072" cy="360040"/>
+          </a:xfrm>
+          <a:prstGeom prst="rect">
+            <a:avLst/>
+          </a:prstGeom>
+          <a:ln/>
+        </p:spPr>
+        <p:style>
+          <a:lnRef idx="2">
+            <a:schemeClr val="accent3">
+              <a:shade val="50000"/>
+            </a:schemeClr>
+          </a:lnRef>
+          <a:fillRef idx="1">
+            <a:schemeClr val="accent3"/>
+          </a:fillRef>
+          <a:effectRef idx="0">
+            <a:schemeClr val="accent3"/>
+          </a:effectRef>
+          <a:fontRef idx="minor">
+            <a:schemeClr val="lt1"/>
+          </a:fontRef>
+        </p:style>
+        <p:txBody>
+          <a:bodyPr rtlCol="0" anchor="ctr"/>
+          <a:lstStyle/>
+          <a:p>
+            <a:pPr algn="ctr"/>
+            <a:endParaRPr lang="zh-TW" altLang="en-US"/>
+          </a:p>
+        </p:txBody>
+      </p:sp>
+      <p:sp>
+        <p:nvSpPr>
+          <p:cNvPr id="15" name="矩形 14"/>
+          <p:cNvSpPr/>
+          <p:nvPr/>
+        </p:nvSpPr>
+        <p:spPr>
+          <a:xfrm>
+            <a:off x="4148275" y="4134139"/>
+            <a:ext cx="648072" cy="360040"/>
+          </a:xfrm>
+          <a:prstGeom prst="rect">
+            <a:avLst/>
+          </a:prstGeom>
+        </p:spPr>
+        <p:style>
+          <a:lnRef idx="2">
+            <a:schemeClr val="accent3">
+              <a:shade val="50000"/>
+            </a:schemeClr>
+          </a:lnRef>
+          <a:fillRef idx="1">
+            <a:schemeClr val="accent3"/>
+          </a:fillRef>
+          <a:effectRef idx="0">
+            <a:schemeClr val="accent3"/>
+          </a:effectRef>
+          <a:fontRef idx="minor">
+            <a:schemeClr val="lt1"/>
+          </a:fontRef>
+        </p:style>
+        <p:txBody>
+          <a:bodyPr rtlCol="0" anchor="ctr"/>
+          <a:lstStyle/>
+          <a:p>
+            <a:pPr algn="ctr"/>
+            <a:endParaRPr lang="zh-TW" altLang="en-US"/>
+          </a:p>
+        </p:txBody>
+      </p:sp>
+      <p:sp>
+        <p:nvSpPr>
+          <p:cNvPr id="16" name="矩形 15"/>
+          <p:cNvSpPr/>
+          <p:nvPr/>
+        </p:nvSpPr>
+        <p:spPr>
+          <a:xfrm>
+            <a:off x="4890120" y="2622201"/>
+            <a:ext cx="648072" cy="360040"/>
+          </a:xfrm>
+          <a:prstGeom prst="rect">
+            <a:avLst/>
+          </a:prstGeom>
+        </p:spPr>
+        <p:style>
+          <a:lnRef idx="2">
+            <a:schemeClr val="accent3">
+              <a:shade val="50000"/>
+            </a:schemeClr>
+          </a:lnRef>
+          <a:fillRef idx="1">
+            <a:schemeClr val="accent3"/>
+          </a:fillRef>
+          <a:effectRef idx="0">
+            <a:schemeClr val="accent3"/>
+          </a:effectRef>
+          <a:fontRef idx="minor">
+            <a:schemeClr val="lt1"/>
+          </a:fontRef>
+        </p:style>
+        <p:txBody>
+          <a:bodyPr rtlCol="0" anchor="ctr"/>
+          <a:lstStyle/>
+          <a:p>
+            <a:pPr algn="ctr"/>
+            <a:endParaRPr lang="zh-TW" altLang="en-US"/>
+          </a:p>
+        </p:txBody>
+      </p:sp>
+      <p:sp>
+        <p:nvSpPr>
+          <p:cNvPr id="17" name="矩形 16"/>
+          <p:cNvSpPr/>
+          <p:nvPr/>
+        </p:nvSpPr>
+        <p:spPr>
+          <a:xfrm>
+            <a:off x="4890120" y="3126027"/>
+            <a:ext cx="648072" cy="360040"/>
+          </a:xfrm>
+          <a:prstGeom prst="rect">
+            <a:avLst/>
+          </a:prstGeom>
+        </p:spPr>
+        <p:style>
+          <a:lnRef idx="2">
+            <a:schemeClr val="accent3">
+              <a:shade val="50000"/>
+            </a:schemeClr>
+          </a:lnRef>
+          <a:fillRef idx="1">
+            <a:schemeClr val="accent3"/>
+          </a:fillRef>
+          <a:effectRef idx="0">
+            <a:schemeClr val="accent3"/>
+          </a:effectRef>
+          <a:fontRef idx="minor">
+            <a:schemeClr val="lt1"/>
+          </a:fontRef>
+        </p:style>
+        <p:txBody>
+          <a:bodyPr rtlCol="0" anchor="ctr"/>
+          <a:lstStyle/>
+          <a:p>
+            <a:pPr algn="ctr"/>
+            <a:endParaRPr lang="zh-TW" altLang="en-US"/>
+          </a:p>
+        </p:txBody>
+      </p:sp>
+      <p:sp>
+        <p:nvSpPr>
+          <p:cNvPr id="18" name="矩形 17"/>
+          <p:cNvSpPr/>
+          <p:nvPr/>
+        </p:nvSpPr>
+        <p:spPr>
+          <a:xfrm>
+            <a:off x="4890120" y="3630083"/>
+            <a:ext cx="648072" cy="360040"/>
+          </a:xfrm>
+          <a:prstGeom prst="rect">
+            <a:avLst/>
+          </a:prstGeom>
+        </p:spPr>
+        <p:style>
+          <a:lnRef idx="2">
+            <a:schemeClr val="accent3">
+              <a:shade val="50000"/>
+            </a:schemeClr>
+          </a:lnRef>
+          <a:fillRef idx="1">
+            <a:schemeClr val="accent3"/>
+          </a:fillRef>
+          <a:effectRef idx="0">
+            <a:schemeClr val="accent3"/>
+          </a:effectRef>
+          <a:fontRef idx="minor">
+            <a:schemeClr val="lt1"/>
+          </a:fontRef>
+        </p:style>
+        <p:txBody>
+          <a:bodyPr rtlCol="0" anchor="ctr"/>
+          <a:lstStyle/>
+          <a:p>
+            <a:pPr algn="ctr"/>
+            <a:endParaRPr lang="zh-TW" altLang="en-US"/>
+          </a:p>
+        </p:txBody>
+      </p:sp>
+      <p:sp>
+        <p:nvSpPr>
+          <p:cNvPr id="19" name="矩形 18"/>
+          <p:cNvSpPr/>
+          <p:nvPr/>
+        </p:nvSpPr>
+        <p:spPr>
+          <a:xfrm>
+            <a:off x="4890120" y="4134139"/>
+            <a:ext cx="648072" cy="360040"/>
+          </a:xfrm>
+          <a:prstGeom prst="rect">
+            <a:avLst/>
+          </a:prstGeom>
+        </p:spPr>
+        <p:style>
+          <a:lnRef idx="2">
+            <a:schemeClr val="accent3">
+              <a:shade val="50000"/>
+            </a:schemeClr>
+          </a:lnRef>
+          <a:fillRef idx="1">
+            <a:schemeClr val="accent3"/>
+          </a:fillRef>
+          <a:effectRef idx="0">
+            <a:schemeClr val="accent3"/>
+          </a:effectRef>
+          <a:fontRef idx="minor">
+            <a:schemeClr val="lt1"/>
+          </a:fontRef>
+        </p:style>
+        <p:txBody>
+          <a:bodyPr rtlCol="0" anchor="ctr"/>
+          <a:lstStyle/>
+          <a:p>
+            <a:pPr algn="ctr"/>
+            <a:endParaRPr lang="zh-TW" altLang="en-US"/>
+          </a:p>
+        </p:txBody>
+      </p:sp>
+      <p:sp>
+        <p:nvSpPr>
+          <p:cNvPr id="20" name="矩形 19"/>
+          <p:cNvSpPr/>
+          <p:nvPr/>
+        </p:nvSpPr>
+        <p:spPr>
+          <a:xfrm>
+            <a:off x="5643614" y="2621971"/>
+            <a:ext cx="648072" cy="360040"/>
+          </a:xfrm>
+          <a:prstGeom prst="rect">
+            <a:avLst/>
+          </a:prstGeom>
+        </p:spPr>
+        <p:style>
+          <a:lnRef idx="2">
+            <a:schemeClr val="accent3">
+              <a:shade val="50000"/>
+            </a:schemeClr>
+          </a:lnRef>
+          <a:fillRef idx="1">
+            <a:schemeClr val="accent3"/>
+          </a:fillRef>
+          <a:effectRef idx="0">
+            <a:schemeClr val="accent3"/>
+          </a:effectRef>
+          <a:fontRef idx="minor">
+            <a:schemeClr val="lt1"/>
+          </a:fontRef>
+        </p:style>
+        <p:txBody>
+          <a:bodyPr rtlCol="0" anchor="ctr"/>
+          <a:lstStyle/>
+          <a:p>
+            <a:pPr algn="ctr"/>
+            <a:endParaRPr lang="zh-TW" altLang="en-US"/>
+          </a:p>
+        </p:txBody>
+      </p:sp>
+      <p:sp>
+        <p:nvSpPr>
+          <p:cNvPr id="21" name="矩形 20"/>
+          <p:cNvSpPr/>
+          <p:nvPr/>
+        </p:nvSpPr>
+        <p:spPr>
+          <a:xfrm>
+            <a:off x="5643614" y="3126027"/>
+            <a:ext cx="648072" cy="360040"/>
+          </a:xfrm>
+          <a:prstGeom prst="rect">
+            <a:avLst/>
+          </a:prstGeom>
+        </p:spPr>
+        <p:style>
+          <a:lnRef idx="2">
+            <a:schemeClr val="accent3">
+              <a:shade val="50000"/>
+            </a:schemeClr>
+          </a:lnRef>
+          <a:fillRef idx="1">
+            <a:schemeClr val="accent3"/>
+          </a:fillRef>
+          <a:effectRef idx="0">
+            <a:schemeClr val="accent3"/>
+          </a:effectRef>
+          <a:fontRef idx="minor">
+            <a:schemeClr val="lt1"/>
+          </a:fontRef>
+        </p:style>
+        <p:txBody>
+          <a:bodyPr rtlCol="0" anchor="ctr"/>
+          <a:lstStyle/>
+          <a:p>
+            <a:pPr algn="ctr"/>
+            <a:endParaRPr lang="zh-TW" altLang="en-US"/>
+          </a:p>
+        </p:txBody>
+      </p:sp>
+      <p:sp>
+        <p:nvSpPr>
+          <p:cNvPr id="22" name="矩形 21"/>
+          <p:cNvSpPr/>
+          <p:nvPr/>
+        </p:nvSpPr>
+        <p:spPr>
+          <a:xfrm>
+            <a:off x="5652120" y="3630083"/>
+            <a:ext cx="648072" cy="360040"/>
+          </a:xfrm>
+          <a:prstGeom prst="rect">
+            <a:avLst/>
+          </a:prstGeom>
+        </p:spPr>
+        <p:style>
+          <a:lnRef idx="2">
+            <a:schemeClr val="accent3">
+              <a:shade val="50000"/>
+            </a:schemeClr>
+          </a:lnRef>
+          <a:fillRef idx="1">
+            <a:schemeClr val="accent3"/>
+          </a:fillRef>
+          <a:effectRef idx="0">
+            <a:schemeClr val="accent3"/>
+          </a:effectRef>
+          <a:fontRef idx="minor">
+            <a:schemeClr val="lt1"/>
+          </a:fontRef>
+        </p:style>
+        <p:txBody>
+          <a:bodyPr rtlCol="0" anchor="ctr"/>
+          <a:lstStyle/>
+          <a:p>
+            <a:pPr algn="ctr"/>
+            <a:endParaRPr lang="zh-TW" altLang="en-US"/>
+          </a:p>
+        </p:txBody>
+      </p:sp>
+      <p:sp>
+        <p:nvSpPr>
+          <p:cNvPr id="23" name="矩形 22"/>
+          <p:cNvSpPr/>
+          <p:nvPr/>
+        </p:nvSpPr>
+        <p:spPr>
+          <a:xfrm>
+            <a:off x="5643614" y="4134139"/>
+            <a:ext cx="648072" cy="360040"/>
+          </a:xfrm>
+          <a:prstGeom prst="rect">
+            <a:avLst/>
+          </a:prstGeom>
+        </p:spPr>
+        <p:style>
+          <a:lnRef idx="2">
+            <a:schemeClr val="accent3">
+              <a:shade val="50000"/>
+            </a:schemeClr>
+          </a:lnRef>
+          <a:fillRef idx="1">
+            <a:schemeClr val="accent3"/>
+          </a:fillRef>
+          <a:effectRef idx="0">
+            <a:schemeClr val="accent3"/>
+          </a:effectRef>
+          <a:fontRef idx="minor">
+            <a:schemeClr val="lt1"/>
+          </a:fontRef>
+        </p:style>
+        <p:txBody>
+          <a:bodyPr rtlCol="0" anchor="ctr"/>
+          <a:lstStyle/>
+          <a:p>
+            <a:pPr algn="ctr"/>
+            <a:endParaRPr lang="zh-TW" altLang="en-US"/>
+          </a:p>
+        </p:txBody>
+      </p:sp>
+      <p:sp>
+        <p:nvSpPr>
+          <p:cNvPr id="24" name="文字方塊 23"/>
+          <p:cNvSpPr txBox="1"/>
+          <p:nvPr/>
+        </p:nvSpPr>
+        <p:spPr>
+          <a:xfrm>
+            <a:off x="971600" y="3270043"/>
+            <a:ext cx="1590949" cy="461665"/>
+          </a:xfrm>
+          <a:prstGeom prst="rect">
+            <a:avLst/>
+          </a:prstGeom>
+          <a:noFill/>
+        </p:spPr>
+        <p:txBody>
+          <a:bodyPr wrap="square" rtlCol="0">
+            <a:spAutoFit/>
+          </a:bodyPr>
+          <a:lstStyle/>
+          <a:p>
+            <a:pPr algn="ctr"/>
+            <a:r>
+              <a:rPr lang="en-US" altLang="zh-TW" sz="2400" dirty="0" err="1" smtClean="0"/>
+              <a:t>row.names</a:t>
+            </a:r>
+            <a:endParaRPr lang="zh-TW" altLang="en-US" sz="2400" dirty="0"/>
+          </a:p>
+        </p:txBody>
+      </p:sp>
+      <p:sp>
+        <p:nvSpPr>
+          <p:cNvPr id="25" name="文字方塊 24"/>
+          <p:cNvSpPr txBox="1"/>
+          <p:nvPr/>
+        </p:nvSpPr>
+        <p:spPr>
+          <a:xfrm>
+            <a:off x="3723676" y="2167349"/>
+            <a:ext cx="1456959" cy="461665"/>
+          </a:xfrm>
+          <a:prstGeom prst="rect">
+            <a:avLst/>
+          </a:prstGeom>
+          <a:noFill/>
+        </p:spPr>
+        <p:txBody>
+          <a:bodyPr wrap="square" rtlCol="0">
+            <a:spAutoFit/>
+          </a:bodyPr>
+          <a:lstStyle/>
+          <a:p>
+            <a:pPr algn="ctr"/>
+            <a:r>
+              <a:rPr lang="en-US" altLang="zh-TW" sz="2400" dirty="0" smtClean="0"/>
+              <a:t>$names</a:t>
+            </a:r>
+            <a:endParaRPr lang="zh-TW" altLang="en-US" sz="2400" dirty="0"/>
+          </a:p>
+        </p:txBody>
+      </p:sp>
+    </p:spTree>
+    <p:extLst>
+      <p:ext uri="{BB962C8B-B14F-4D97-AF65-F5344CB8AC3E}">
+        <p14:creationId xmlns:p14="http://schemas.microsoft.com/office/powerpoint/2010/main" val="3432887086"/>
+      </p:ext>
+    </p:extLst>
+  </p:cSld>
+  <p:clrMapOvr>
+    <a:masterClrMapping/>
+  </p:clrMapOvr>
+</p:sld>
+</file>
+
+<file path=ppt/slides/slide5.xml><?xml version="1.0" encoding="utf-8"?>
+<p:sld xmlns:a="http://schemas.openxmlformats.org/drawingml/2006/main" xmlns:r="http://schemas.openxmlformats.org/officeDocument/2006/relationships" xmlns:p="http://schemas.openxmlformats.org/presentationml/2006/main">
+  <p:cSld>
+    <p:spTree>
+      <p:nvGrpSpPr>
+        <p:cNvPr id="1" name=""/>
+        <p:cNvGrpSpPr/>
+        <p:nvPr/>
+      </p:nvGrpSpPr>
+      <p:grpSpPr>
+        <a:xfrm>
+          <a:off x="0" y="0"/>
+          <a:ext cx="0" cy="0"/>
+          <a:chOff x="0" y="0"/>
+          <a:chExt cx="0" cy="0"/>
+        </a:xfrm>
+      </p:grpSpPr>
+      <p:sp>
+        <p:nvSpPr>
+          <p:cNvPr id="4" name="矩形 3"/>
+          <p:cNvSpPr/>
+          <p:nvPr/>
+        </p:nvSpPr>
+        <p:spPr>
+          <a:xfrm>
+            <a:off x="2598553" y="2636912"/>
+            <a:ext cx="648072" cy="360040"/>
+          </a:xfrm>
+          <a:prstGeom prst="rect">
+            <a:avLst/>
+          </a:prstGeom>
+        </p:spPr>
+        <p:style>
+          <a:lnRef idx="2">
+            <a:schemeClr val="accent3">
+              <a:shade val="50000"/>
+            </a:schemeClr>
+          </a:lnRef>
+          <a:fillRef idx="1">
+            <a:schemeClr val="accent3"/>
+          </a:fillRef>
+          <a:effectRef idx="0">
+            <a:schemeClr val="accent3"/>
+          </a:effectRef>
+          <a:fontRef idx="minor">
+            <a:schemeClr val="lt1"/>
+          </a:fontRef>
+        </p:style>
+        <p:txBody>
+          <a:bodyPr rtlCol="0" anchor="ctr"/>
+          <a:lstStyle/>
+          <a:p>
+            <a:pPr algn="ctr"/>
+            <a:endParaRPr lang="zh-TW" altLang="en-US"/>
+          </a:p>
+        </p:txBody>
+      </p:sp>
+      <p:sp>
+        <p:nvSpPr>
+          <p:cNvPr id="5" name="矩形 4"/>
+          <p:cNvSpPr/>
+          <p:nvPr/>
+        </p:nvSpPr>
+        <p:spPr>
+          <a:xfrm>
+            <a:off x="2598149" y="3140968"/>
+            <a:ext cx="648072" cy="360040"/>
+          </a:xfrm>
+          <a:prstGeom prst="rect">
+            <a:avLst/>
+          </a:prstGeom>
+        </p:spPr>
+        <p:style>
+          <a:lnRef idx="2">
+            <a:schemeClr val="accent3">
+              <a:shade val="50000"/>
+            </a:schemeClr>
+          </a:lnRef>
+          <a:fillRef idx="1">
+            <a:schemeClr val="accent3"/>
+          </a:fillRef>
+          <a:effectRef idx="0">
+            <a:schemeClr val="accent3"/>
+          </a:effectRef>
+          <a:fontRef idx="minor">
+            <a:schemeClr val="lt1"/>
+          </a:fontRef>
+        </p:style>
+        <p:txBody>
+          <a:bodyPr rtlCol="0" anchor="ctr"/>
+          <a:lstStyle/>
+          <a:p>
+            <a:pPr algn="ctr"/>
+            <a:endParaRPr lang="zh-TW" altLang="en-US"/>
+          </a:p>
+        </p:txBody>
+      </p:sp>
+      <p:sp>
+        <p:nvSpPr>
+          <p:cNvPr id="6" name="矩形 5"/>
+          <p:cNvSpPr/>
+          <p:nvPr/>
+        </p:nvSpPr>
+        <p:spPr>
+          <a:xfrm>
+            <a:off x="2598149" y="3645024"/>
+            <a:ext cx="648072" cy="360040"/>
+          </a:xfrm>
+          <a:prstGeom prst="rect">
+            <a:avLst/>
+          </a:prstGeom>
+        </p:spPr>
+        <p:style>
+          <a:lnRef idx="2">
+            <a:schemeClr val="accent3">
+              <a:shade val="50000"/>
+            </a:schemeClr>
+          </a:lnRef>
+          <a:fillRef idx="1">
+            <a:schemeClr val="accent3"/>
+          </a:fillRef>
+          <a:effectRef idx="0">
+            <a:schemeClr val="accent3"/>
+          </a:effectRef>
+          <a:fontRef idx="minor">
+            <a:schemeClr val="lt1"/>
+          </a:fontRef>
+        </p:style>
+        <p:txBody>
+          <a:bodyPr rtlCol="0" anchor="ctr"/>
+          <a:lstStyle/>
+          <a:p>
+            <a:pPr algn="ctr"/>
+            <a:endParaRPr lang="zh-TW" altLang="en-US"/>
+          </a:p>
+        </p:txBody>
+      </p:sp>
+      <p:sp>
+        <p:nvSpPr>
+          <p:cNvPr id="7" name="矩形 6"/>
+          <p:cNvSpPr/>
+          <p:nvPr/>
+        </p:nvSpPr>
+        <p:spPr>
+          <a:xfrm>
+            <a:off x="2598149" y="4149080"/>
+            <a:ext cx="648072" cy="360040"/>
+          </a:xfrm>
+          <a:prstGeom prst="rect">
+            <a:avLst/>
+          </a:prstGeom>
+        </p:spPr>
+        <p:style>
+          <a:lnRef idx="2">
+            <a:schemeClr val="accent3">
+              <a:shade val="50000"/>
+            </a:schemeClr>
+          </a:lnRef>
+          <a:fillRef idx="1">
+            <a:schemeClr val="accent3"/>
+          </a:fillRef>
+          <a:effectRef idx="0">
+            <a:schemeClr val="accent3"/>
+          </a:effectRef>
+          <a:fontRef idx="minor">
+            <a:schemeClr val="lt1"/>
+          </a:fontRef>
+        </p:style>
+        <p:txBody>
+          <a:bodyPr rtlCol="0" anchor="ctr"/>
+          <a:lstStyle/>
+          <a:p>
+            <a:pPr algn="ctr"/>
+            <a:endParaRPr lang="zh-TW" altLang="en-US"/>
+          </a:p>
+        </p:txBody>
+      </p:sp>
+      <p:sp>
+        <p:nvSpPr>
+          <p:cNvPr id="8" name="矩形 7"/>
+          <p:cNvSpPr/>
+          <p:nvPr/>
+        </p:nvSpPr>
+        <p:spPr>
+          <a:xfrm>
+            <a:off x="3371393" y="2636912"/>
+            <a:ext cx="648072" cy="360040"/>
+          </a:xfrm>
+          <a:prstGeom prst="rect">
+            <a:avLst/>
+          </a:prstGeom>
+        </p:spPr>
+        <p:style>
+          <a:lnRef idx="2">
+            <a:schemeClr val="accent3">
+              <a:shade val="50000"/>
+            </a:schemeClr>
+          </a:lnRef>
+          <a:fillRef idx="1">
+            <a:schemeClr val="accent3"/>
+          </a:fillRef>
+          <a:effectRef idx="0">
+            <a:schemeClr val="accent3"/>
+          </a:effectRef>
+          <a:fontRef idx="minor">
+            <a:schemeClr val="lt1"/>
+          </a:fontRef>
+        </p:style>
+        <p:txBody>
+          <a:bodyPr rtlCol="0" anchor="ctr"/>
+          <a:lstStyle/>
+          <a:p>
+            <a:pPr algn="ctr"/>
+            <a:endParaRPr lang="zh-TW" altLang="en-US"/>
+          </a:p>
+        </p:txBody>
+      </p:sp>
+      <p:sp>
+        <p:nvSpPr>
+          <p:cNvPr id="9" name="矩形 8"/>
+          <p:cNvSpPr/>
+          <p:nvPr/>
+        </p:nvSpPr>
+        <p:spPr>
+          <a:xfrm>
+            <a:off x="3371393" y="3140968"/>
+            <a:ext cx="648072" cy="360040"/>
+          </a:xfrm>
+          <a:prstGeom prst="rect">
+            <a:avLst/>
+          </a:prstGeom>
+        </p:spPr>
+        <p:style>
+          <a:lnRef idx="2">
+            <a:schemeClr val="accent3">
+              <a:shade val="50000"/>
+            </a:schemeClr>
+          </a:lnRef>
+          <a:fillRef idx="1">
+            <a:schemeClr val="accent3"/>
+          </a:fillRef>
+          <a:effectRef idx="0">
+            <a:schemeClr val="accent3"/>
+          </a:effectRef>
+          <a:fontRef idx="minor">
+            <a:schemeClr val="lt1"/>
+          </a:fontRef>
+        </p:style>
+        <p:txBody>
+          <a:bodyPr rtlCol="0" anchor="ctr"/>
+          <a:lstStyle/>
+          <a:p>
+            <a:pPr algn="ctr"/>
+            <a:endParaRPr lang="zh-TW" altLang="en-US"/>
+          </a:p>
+        </p:txBody>
+      </p:sp>
+      <p:sp>
+        <p:nvSpPr>
+          <p:cNvPr id="10" name="矩形 9"/>
+          <p:cNvSpPr/>
+          <p:nvPr/>
+        </p:nvSpPr>
+        <p:spPr>
+          <a:xfrm>
+            <a:off x="3371393" y="3645024"/>
+            <a:ext cx="648072" cy="360040"/>
+          </a:xfrm>
+          <a:prstGeom prst="rect">
+            <a:avLst/>
+          </a:prstGeom>
+        </p:spPr>
+        <p:style>
+          <a:lnRef idx="2">
+            <a:schemeClr val="accent3">
+              <a:shade val="50000"/>
+            </a:schemeClr>
+          </a:lnRef>
+          <a:fillRef idx="1">
+            <a:schemeClr val="accent3"/>
+          </a:fillRef>
+          <a:effectRef idx="0">
+            <a:schemeClr val="accent3"/>
+          </a:effectRef>
+          <a:fontRef idx="minor">
+            <a:schemeClr val="lt1"/>
+          </a:fontRef>
+        </p:style>
+        <p:txBody>
+          <a:bodyPr rtlCol="0" anchor="ctr"/>
+          <a:lstStyle/>
+          <a:p>
+            <a:pPr algn="ctr"/>
+            <a:endParaRPr lang="zh-TW" altLang="en-US"/>
+          </a:p>
+        </p:txBody>
+      </p:sp>
+      <p:sp>
+        <p:nvSpPr>
+          <p:cNvPr id="11" name="矩形 10"/>
+          <p:cNvSpPr/>
+          <p:nvPr/>
+        </p:nvSpPr>
+        <p:spPr>
+          <a:xfrm>
+            <a:off x="3371393" y="4149080"/>
+            <a:ext cx="648072" cy="360040"/>
+          </a:xfrm>
+          <a:prstGeom prst="rect">
+            <a:avLst/>
+          </a:prstGeom>
+        </p:spPr>
+        <p:style>
+          <a:lnRef idx="2">
+            <a:schemeClr val="accent3">
+              <a:shade val="50000"/>
+            </a:schemeClr>
+          </a:lnRef>
+          <a:fillRef idx="1">
+            <a:schemeClr val="accent3"/>
+          </a:fillRef>
+          <a:effectRef idx="0">
+            <a:schemeClr val="accent3"/>
+          </a:effectRef>
+          <a:fontRef idx="minor">
+            <a:schemeClr val="lt1"/>
+          </a:fontRef>
+        </p:style>
+        <p:txBody>
+          <a:bodyPr rtlCol="0" anchor="ctr"/>
+          <a:lstStyle/>
+          <a:p>
+            <a:pPr algn="ctr"/>
+            <a:endParaRPr lang="zh-TW" altLang="en-US"/>
+          </a:p>
+        </p:txBody>
+      </p:sp>
+      <p:sp>
+        <p:nvSpPr>
+          <p:cNvPr id="12" name="矩形 11"/>
+          <p:cNvSpPr/>
+          <p:nvPr/>
+        </p:nvSpPr>
+        <p:spPr>
+          <a:xfrm>
+            <a:off x="4128120" y="2636912"/>
+            <a:ext cx="648072" cy="360040"/>
+          </a:xfrm>
+          <a:prstGeom prst="rect">
+            <a:avLst/>
+          </a:prstGeom>
+        </p:spPr>
+        <p:style>
+          <a:lnRef idx="2">
+            <a:schemeClr val="accent3">
+              <a:shade val="50000"/>
+            </a:schemeClr>
+          </a:lnRef>
+          <a:fillRef idx="1">
+            <a:schemeClr val="accent3"/>
+          </a:fillRef>
+          <a:effectRef idx="0">
+            <a:schemeClr val="accent3"/>
+          </a:effectRef>
+          <a:fontRef idx="minor">
+            <a:schemeClr val="lt1"/>
+          </a:fontRef>
+        </p:style>
+        <p:txBody>
+          <a:bodyPr rtlCol="0" anchor="ctr"/>
+          <a:lstStyle/>
+          <a:p>
+            <a:pPr algn="ctr"/>
+            <a:endParaRPr lang="zh-TW" altLang="en-US"/>
+          </a:p>
+        </p:txBody>
+      </p:sp>
+      <p:sp>
+        <p:nvSpPr>
+          <p:cNvPr id="13" name="矩形 12"/>
+          <p:cNvSpPr/>
+          <p:nvPr/>
+        </p:nvSpPr>
+        <p:spPr>
+          <a:xfrm>
+            <a:off x="4128120" y="3140968"/>
+            <a:ext cx="648072" cy="360040"/>
+          </a:xfrm>
+          <a:prstGeom prst="rect">
+            <a:avLst/>
+          </a:prstGeom>
+        </p:spPr>
+        <p:style>
+          <a:lnRef idx="2">
+            <a:schemeClr val="accent3">
+              <a:shade val="50000"/>
+            </a:schemeClr>
+          </a:lnRef>
+          <a:fillRef idx="1">
+            <a:schemeClr val="accent3"/>
+          </a:fillRef>
+          <a:effectRef idx="0">
+            <a:schemeClr val="accent3"/>
+          </a:effectRef>
+          <a:fontRef idx="minor">
+            <a:schemeClr val="lt1"/>
+          </a:fontRef>
+        </p:style>
+        <p:txBody>
+          <a:bodyPr rtlCol="0" anchor="ctr"/>
+          <a:lstStyle/>
+          <a:p>
+            <a:pPr algn="ctr"/>
+            <a:endParaRPr lang="zh-TW" altLang="en-US"/>
+          </a:p>
+        </p:txBody>
+      </p:sp>
+      <p:sp>
+        <p:nvSpPr>
+          <p:cNvPr id="14" name="矩形 13"/>
+          <p:cNvSpPr/>
+          <p:nvPr/>
+        </p:nvSpPr>
+        <p:spPr>
+          <a:xfrm>
+            <a:off x="4139952" y="3645024"/>
+            <a:ext cx="648072" cy="360040"/>
+          </a:xfrm>
+          <a:prstGeom prst="rect">
+            <a:avLst/>
+          </a:prstGeom>
+          <a:ln/>
+        </p:spPr>
+        <p:style>
+          <a:lnRef idx="2">
+            <a:schemeClr val="accent3">
+              <a:shade val="50000"/>
+            </a:schemeClr>
+          </a:lnRef>
+          <a:fillRef idx="1">
+            <a:schemeClr val="accent3"/>
+          </a:fillRef>
+          <a:effectRef idx="0">
+            <a:schemeClr val="accent3"/>
+          </a:effectRef>
+          <a:fontRef idx="minor">
+            <a:schemeClr val="lt1"/>
+          </a:fontRef>
+        </p:style>
+        <p:txBody>
+          <a:bodyPr rtlCol="0" anchor="ctr"/>
+          <a:lstStyle/>
+          <a:p>
+            <a:pPr algn="ctr"/>
+            <a:endParaRPr lang="zh-TW" altLang="en-US"/>
+          </a:p>
+        </p:txBody>
+      </p:sp>
+      <p:sp>
+        <p:nvSpPr>
+          <p:cNvPr id="15" name="矩形 14"/>
+          <p:cNvSpPr/>
+          <p:nvPr/>
+        </p:nvSpPr>
+        <p:spPr>
+          <a:xfrm>
+            <a:off x="4148275" y="4149080"/>
+            <a:ext cx="648072" cy="360040"/>
+          </a:xfrm>
+          <a:prstGeom prst="rect">
+            <a:avLst/>
+          </a:prstGeom>
+        </p:spPr>
+        <p:style>
+          <a:lnRef idx="2">
+            <a:schemeClr val="accent3">
+              <a:shade val="50000"/>
+            </a:schemeClr>
+          </a:lnRef>
+          <a:fillRef idx="1">
+            <a:schemeClr val="accent3"/>
+          </a:fillRef>
+          <a:effectRef idx="0">
+            <a:schemeClr val="accent3"/>
+          </a:effectRef>
+          <a:fontRef idx="minor">
+            <a:schemeClr val="lt1"/>
+          </a:fontRef>
+        </p:style>
+        <p:txBody>
+          <a:bodyPr rtlCol="0" anchor="ctr"/>
+          <a:lstStyle/>
+          <a:p>
+            <a:pPr algn="ctr"/>
+            <a:endParaRPr lang="zh-TW" altLang="en-US"/>
+          </a:p>
+        </p:txBody>
+      </p:sp>
+      <p:sp>
+        <p:nvSpPr>
+          <p:cNvPr id="16" name="矩形 15"/>
+          <p:cNvSpPr/>
+          <p:nvPr/>
+        </p:nvSpPr>
+        <p:spPr>
+          <a:xfrm>
+            <a:off x="4890120" y="2637142"/>
+            <a:ext cx="648072" cy="360040"/>
+          </a:xfrm>
+          <a:prstGeom prst="rect">
+            <a:avLst/>
+          </a:prstGeom>
+        </p:spPr>
+        <p:style>
+          <a:lnRef idx="2">
+            <a:schemeClr val="accent3">
+              <a:shade val="50000"/>
+            </a:schemeClr>
+          </a:lnRef>
+          <a:fillRef idx="1">
+            <a:schemeClr val="accent3"/>
+          </a:fillRef>
+          <a:effectRef idx="0">
+            <a:schemeClr val="accent3"/>
+          </a:effectRef>
+          <a:fontRef idx="minor">
+            <a:schemeClr val="lt1"/>
+          </a:fontRef>
+        </p:style>
+        <p:txBody>
+          <a:bodyPr rtlCol="0" anchor="ctr"/>
+          <a:lstStyle/>
+          <a:p>
+            <a:pPr algn="ctr"/>
+            <a:endParaRPr lang="zh-TW" altLang="en-US"/>
+          </a:p>
+        </p:txBody>
+      </p:sp>
+      <p:sp>
+        <p:nvSpPr>
+          <p:cNvPr id="17" name="矩形 16"/>
+          <p:cNvSpPr/>
+          <p:nvPr/>
+        </p:nvSpPr>
+        <p:spPr>
+          <a:xfrm>
+            <a:off x="4890120" y="3140968"/>
+            <a:ext cx="648072" cy="360040"/>
+          </a:xfrm>
+          <a:prstGeom prst="rect">
+            <a:avLst/>
+          </a:prstGeom>
+        </p:spPr>
+        <p:style>
+          <a:lnRef idx="2">
+            <a:schemeClr val="accent3">
+              <a:shade val="50000"/>
+            </a:schemeClr>
+          </a:lnRef>
+          <a:fillRef idx="1">
+            <a:schemeClr val="accent3"/>
+          </a:fillRef>
+          <a:effectRef idx="0">
+            <a:schemeClr val="accent3"/>
+          </a:effectRef>
+          <a:fontRef idx="minor">
+            <a:schemeClr val="lt1"/>
+          </a:fontRef>
+        </p:style>
+        <p:txBody>
+          <a:bodyPr rtlCol="0" anchor="ctr"/>
+          <a:lstStyle/>
+          <a:p>
+            <a:pPr algn="ctr"/>
+            <a:endParaRPr lang="zh-TW" altLang="en-US"/>
+          </a:p>
+        </p:txBody>
+      </p:sp>
+      <p:sp>
+        <p:nvSpPr>
+          <p:cNvPr id="18" name="矩形 17"/>
+          <p:cNvSpPr/>
+          <p:nvPr/>
+        </p:nvSpPr>
+        <p:spPr>
+          <a:xfrm>
+            <a:off x="4890120" y="3645024"/>
+            <a:ext cx="648072" cy="360040"/>
+          </a:xfrm>
+          <a:prstGeom prst="rect">
+            <a:avLst/>
+          </a:prstGeom>
+        </p:spPr>
+        <p:style>
+          <a:lnRef idx="2">
+            <a:schemeClr val="accent3">
+              <a:shade val="50000"/>
+            </a:schemeClr>
+          </a:lnRef>
+          <a:fillRef idx="1">
+            <a:schemeClr val="accent3"/>
+          </a:fillRef>
+          <a:effectRef idx="0">
+            <a:schemeClr val="accent3"/>
+          </a:effectRef>
+          <a:fontRef idx="minor">
+            <a:schemeClr val="lt1"/>
+          </a:fontRef>
+        </p:style>
+        <p:txBody>
+          <a:bodyPr rtlCol="0" anchor="ctr"/>
+          <a:lstStyle/>
+          <a:p>
+            <a:pPr algn="ctr"/>
+            <a:endParaRPr lang="zh-TW" altLang="en-US"/>
+          </a:p>
+        </p:txBody>
+      </p:sp>
+      <p:sp>
+        <p:nvSpPr>
+          <p:cNvPr id="19" name="矩形 18"/>
+          <p:cNvSpPr/>
+          <p:nvPr/>
+        </p:nvSpPr>
+        <p:spPr>
+          <a:xfrm>
+            <a:off x="4890120" y="4149080"/>
+            <a:ext cx="648072" cy="360040"/>
+          </a:xfrm>
+          <a:prstGeom prst="rect">
+            <a:avLst/>
+          </a:prstGeom>
+        </p:spPr>
+        <p:style>
+          <a:lnRef idx="2">
+            <a:schemeClr val="accent3">
+              <a:shade val="50000"/>
+            </a:schemeClr>
+          </a:lnRef>
+          <a:fillRef idx="1">
+            <a:schemeClr val="accent3"/>
+          </a:fillRef>
+          <a:effectRef idx="0">
+            <a:schemeClr val="accent3"/>
+          </a:effectRef>
+          <a:fontRef idx="minor">
+            <a:schemeClr val="lt1"/>
+          </a:fontRef>
+        </p:style>
+        <p:txBody>
+          <a:bodyPr rtlCol="0" anchor="ctr"/>
+          <a:lstStyle/>
+          <a:p>
+            <a:pPr algn="ctr"/>
+            <a:endParaRPr lang="zh-TW" altLang="en-US"/>
+          </a:p>
+        </p:txBody>
+      </p:sp>
+      <p:sp>
+        <p:nvSpPr>
+          <p:cNvPr id="20" name="矩形 19"/>
+          <p:cNvSpPr/>
+          <p:nvPr/>
+        </p:nvSpPr>
+        <p:spPr>
+          <a:xfrm>
+            <a:off x="5643614" y="2636912"/>
+            <a:ext cx="648072" cy="360040"/>
+          </a:xfrm>
+          <a:prstGeom prst="rect">
+            <a:avLst/>
+          </a:prstGeom>
+        </p:spPr>
+        <p:style>
+          <a:lnRef idx="2">
+            <a:schemeClr val="accent3">
+              <a:shade val="50000"/>
+            </a:schemeClr>
+          </a:lnRef>
+          <a:fillRef idx="1">
+            <a:schemeClr val="accent3"/>
+          </a:fillRef>
+          <a:effectRef idx="0">
+            <a:schemeClr val="accent3"/>
+          </a:effectRef>
+          <a:fontRef idx="minor">
+            <a:schemeClr val="lt1"/>
+          </a:fontRef>
+        </p:style>
+        <p:txBody>
+          <a:bodyPr rtlCol="0" anchor="ctr"/>
+          <a:lstStyle/>
+          <a:p>
+            <a:pPr algn="ctr"/>
+            <a:endParaRPr lang="zh-TW" altLang="en-US"/>
+          </a:p>
+        </p:txBody>
+      </p:sp>
+      <p:sp>
+        <p:nvSpPr>
+          <p:cNvPr id="21" name="矩形 20"/>
+          <p:cNvSpPr/>
+          <p:nvPr/>
+        </p:nvSpPr>
+        <p:spPr>
+          <a:xfrm>
+            <a:off x="5643614" y="3140968"/>
+            <a:ext cx="648072" cy="360040"/>
+          </a:xfrm>
+          <a:prstGeom prst="rect">
+            <a:avLst/>
+          </a:prstGeom>
+        </p:spPr>
+        <p:style>
+          <a:lnRef idx="2">
+            <a:schemeClr val="accent3">
+              <a:shade val="50000"/>
+            </a:schemeClr>
+          </a:lnRef>
+          <a:fillRef idx="1">
+            <a:schemeClr val="accent3"/>
+          </a:fillRef>
+          <a:effectRef idx="0">
+            <a:schemeClr val="accent3"/>
+          </a:effectRef>
+          <a:fontRef idx="minor">
+            <a:schemeClr val="lt1"/>
+          </a:fontRef>
+        </p:style>
+        <p:txBody>
+          <a:bodyPr rtlCol="0" anchor="ctr"/>
+          <a:lstStyle/>
+          <a:p>
+            <a:pPr algn="ctr"/>
+            <a:endParaRPr lang="zh-TW" altLang="en-US"/>
+          </a:p>
+        </p:txBody>
+      </p:sp>
+      <p:sp>
+        <p:nvSpPr>
+          <p:cNvPr id="22" name="矩形 21"/>
+          <p:cNvSpPr/>
+          <p:nvPr/>
+        </p:nvSpPr>
+        <p:spPr>
+          <a:xfrm>
+            <a:off x="5652120" y="3645024"/>
+            <a:ext cx="648072" cy="360040"/>
+          </a:xfrm>
+          <a:prstGeom prst="rect">
+            <a:avLst/>
+          </a:prstGeom>
+        </p:spPr>
+        <p:style>
+          <a:lnRef idx="2">
+            <a:schemeClr val="accent3">
+              <a:shade val="50000"/>
+            </a:schemeClr>
+          </a:lnRef>
+          <a:fillRef idx="1">
+            <a:schemeClr val="accent3"/>
+          </a:fillRef>
+          <a:effectRef idx="0">
+            <a:schemeClr val="accent3"/>
+          </a:effectRef>
+          <a:fontRef idx="minor">
+            <a:schemeClr val="lt1"/>
+          </a:fontRef>
+        </p:style>
+        <p:txBody>
+          <a:bodyPr rtlCol="0" anchor="ctr"/>
+          <a:lstStyle/>
+          <a:p>
+            <a:pPr algn="ctr"/>
+            <a:endParaRPr lang="zh-TW" altLang="en-US"/>
+          </a:p>
+        </p:txBody>
+      </p:sp>
+      <p:sp>
+        <p:nvSpPr>
+          <p:cNvPr id="23" name="矩形 22"/>
+          <p:cNvSpPr/>
+          <p:nvPr/>
+        </p:nvSpPr>
+        <p:spPr>
+          <a:xfrm>
+            <a:off x="5643614" y="4149080"/>
+            <a:ext cx="648072" cy="360040"/>
+          </a:xfrm>
+          <a:prstGeom prst="rect">
+            <a:avLst/>
+          </a:prstGeom>
+        </p:spPr>
+        <p:style>
+          <a:lnRef idx="2">
+            <a:schemeClr val="accent3">
+              <a:shade val="50000"/>
+            </a:schemeClr>
+          </a:lnRef>
+          <a:fillRef idx="1">
+            <a:schemeClr val="accent3"/>
+          </a:fillRef>
+          <a:effectRef idx="0">
+            <a:schemeClr val="accent3"/>
+          </a:effectRef>
+          <a:fontRef idx="minor">
+            <a:schemeClr val="lt1"/>
+          </a:fontRef>
+        </p:style>
+        <p:txBody>
+          <a:bodyPr rtlCol="0" anchor="ctr"/>
+          <a:lstStyle/>
+          <a:p>
+            <a:pPr algn="ctr"/>
+            <a:endParaRPr lang="zh-TW" altLang="en-US"/>
+          </a:p>
+        </p:txBody>
+      </p:sp>
+      <p:sp>
+        <p:nvSpPr>
+          <p:cNvPr id="24" name="文字方塊 23"/>
+          <p:cNvSpPr txBox="1"/>
+          <p:nvPr/>
+        </p:nvSpPr>
+        <p:spPr>
+          <a:xfrm>
+            <a:off x="1180851" y="3284984"/>
+            <a:ext cx="1590949" cy="461665"/>
+          </a:xfrm>
+          <a:prstGeom prst="rect">
+            <a:avLst/>
+          </a:prstGeom>
+          <a:noFill/>
+        </p:spPr>
+        <p:txBody>
+          <a:bodyPr wrap="square" rtlCol="0">
+            <a:spAutoFit/>
+          </a:bodyPr>
+          <a:lstStyle/>
+          <a:p>
+            <a:pPr algn="ctr"/>
+            <a:r>
+              <a:rPr lang="en-US" altLang="zh-TW" sz="2400" dirty="0" smtClean="0"/>
+              <a:t>rows</a:t>
+            </a:r>
+            <a:endParaRPr lang="zh-TW" altLang="en-US" sz="2400" dirty="0"/>
+          </a:p>
+        </p:txBody>
+      </p:sp>
+      <p:sp>
+        <p:nvSpPr>
+          <p:cNvPr id="25" name="文字方塊 24"/>
+          <p:cNvSpPr txBox="1"/>
+          <p:nvPr/>
+        </p:nvSpPr>
+        <p:spPr>
+          <a:xfrm>
+            <a:off x="3723676" y="2060848"/>
+            <a:ext cx="1456959" cy="461665"/>
+          </a:xfrm>
+          <a:prstGeom prst="rect">
+            <a:avLst/>
+          </a:prstGeom>
+          <a:noFill/>
+        </p:spPr>
+        <p:txBody>
+          <a:bodyPr wrap="square" rtlCol="0">
+            <a:spAutoFit/>
+          </a:bodyPr>
+          <a:lstStyle/>
+          <a:p>
+            <a:pPr algn="ctr"/>
+            <a:r>
+              <a:rPr lang="en-US" altLang="zh-TW" sz="2400" dirty="0" smtClean="0"/>
+              <a:t>columns</a:t>
+            </a:r>
+            <a:endParaRPr lang="zh-TW" altLang="en-US" sz="2400" dirty="0"/>
+          </a:p>
+        </p:txBody>
+      </p:sp>
+    </p:spTree>
+    <p:extLst>
+      <p:ext uri="{BB962C8B-B14F-4D97-AF65-F5344CB8AC3E}">
+        <p14:creationId xmlns:p14="http://schemas.microsoft.com/office/powerpoint/2010/main" val="2055610792"/>
       </p:ext>
     </p:extLst>
   </p:cSld>

--- a/appendix/genImagesExamples.pptx
+++ b/appendix/genImagesExamples.pptx
@@ -5,7 +5,7 @@
     <p:sldMasterId id="2147483648" r:id="rId1"/>
   </p:sldMasterIdLst>
   <p:notesMasterIdLst>
-    <p:notesMasterId r:id="rId19"/>
+    <p:notesMasterId r:id="rId21"/>
   </p:notesMasterIdLst>
   <p:sldIdLst>
     <p:sldId id="257" r:id="rId2"/>
@@ -25,6 +25,8 @@
     <p:sldId id="271" r:id="rId16"/>
     <p:sldId id="272" r:id="rId17"/>
     <p:sldId id="273" r:id="rId18"/>
+    <p:sldId id="274" r:id="rId19"/>
+    <p:sldId id="275" r:id="rId20"/>
   </p:sldIdLst>
   <p:sldSz cx="9144000" cy="6858000" type="screen4x3"/>
   <p:notesSz cx="6858000" cy="9144000"/>
@@ -7976,6 +7978,1536 @@
 </p:sld>
 </file>
 
+<file path=ppt/slides/slide18.xml><?xml version="1.0" encoding="utf-8"?>
+<p:sld xmlns:a="http://schemas.openxmlformats.org/drawingml/2006/main" xmlns:r="http://schemas.openxmlformats.org/officeDocument/2006/relationships" xmlns:p="http://schemas.openxmlformats.org/presentationml/2006/main">
+  <p:cSld>
+    <p:spTree>
+      <p:nvGrpSpPr>
+        <p:cNvPr id="1" name=""/>
+        <p:cNvGrpSpPr/>
+        <p:nvPr/>
+      </p:nvGrpSpPr>
+      <p:grpSpPr>
+        <a:xfrm>
+          <a:off x="0" y="0"/>
+          <a:ext cx="0" cy="0"/>
+          <a:chOff x="0" y="0"/>
+          <a:chExt cx="0" cy="0"/>
+        </a:xfrm>
+      </p:grpSpPr>
+      <p:grpSp>
+        <p:nvGrpSpPr>
+          <p:cNvPr id="9" name="群組 8"/>
+          <p:cNvGrpSpPr/>
+          <p:nvPr/>
+        </p:nvGrpSpPr>
+        <p:grpSpPr>
+          <a:xfrm>
+            <a:off x="1979712" y="836712"/>
+            <a:ext cx="5558118" cy="5154700"/>
+            <a:chOff x="2569883" y="836712"/>
+            <a:chExt cx="5558118" cy="5154700"/>
+          </a:xfrm>
+        </p:grpSpPr>
+        <p:pic>
+          <p:nvPicPr>
+            <p:cNvPr id="6" name="圖片 5" descr="螢幕快照 2014-08-11 下午9.18.04.png"/>
+            <p:cNvPicPr>
+              <a:picLocks noChangeAspect="1"/>
+            </p:cNvPicPr>
+            <p:nvPr/>
+          </p:nvPicPr>
+          <p:blipFill rotWithShape="1">
+            <a:blip r:embed="rId2">
+              <a:extLst>
+                <a:ext uri="{28A0092B-C50C-407E-A947-70E740481C1C}">
+                  <a14:useLocalDpi xmlns:a14="http://schemas.microsoft.com/office/drawing/2010/main" val="0"/>
+                </a:ext>
+              </a:extLst>
+            </a:blip>
+            <a:srcRect l="2702" t="1413" r="2305" b="2670"/>
+            <a:stretch/>
+          </p:blipFill>
+          <p:spPr>
+            <a:xfrm>
+              <a:off x="2569883" y="2330824"/>
+              <a:ext cx="5558118" cy="3660588"/>
+            </a:xfrm>
+            <a:prstGeom prst="rect">
+              <a:avLst/>
+            </a:prstGeom>
+          </p:spPr>
+        </p:pic>
+        <p:pic>
+          <p:nvPicPr>
+            <p:cNvPr id="8" name="圖片 7" descr="螢幕快照 2014-08-11 下午9.22.45.png"/>
+            <p:cNvPicPr>
+              <a:picLocks noChangeAspect="1"/>
+            </p:cNvPicPr>
+            <p:nvPr/>
+          </p:nvPicPr>
+          <p:blipFill>
+            <a:blip r:embed="rId3">
+              <a:extLst>
+                <a:ext uri="{BEBA8EAE-BF5A-486C-A8C5-ECC9F3942E4B}">
+                  <a14:imgProps xmlns:a14="http://schemas.microsoft.com/office/drawing/2010/main">
+                    <a14:imgLayer r:embed="rId4">
+                      <a14:imgEffect>
+                        <a14:backgroundRemoval t="508" b="100000" l="208" r="100000">
+                          <a14:foregroundMark x1="55925" y1="30457" x2="55925" y2="30457"/>
+                        </a14:backgroundRemoval>
+                      </a14:imgEffect>
+                    </a14:imgLayer>
+                  </a14:imgProps>
+                </a:ext>
+                <a:ext uri="{28A0092B-C50C-407E-A947-70E740481C1C}">
+                  <a14:useLocalDpi xmlns:a14="http://schemas.microsoft.com/office/drawing/2010/main" val="0"/>
+                </a:ext>
+              </a:extLst>
+            </a:blip>
+            <a:stretch>
+              <a:fillRect/>
+            </a:stretch>
+          </p:blipFill>
+          <p:spPr>
+            <a:xfrm>
+              <a:off x="2699792" y="836712"/>
+              <a:ext cx="2515909" cy="2060848"/>
+            </a:xfrm>
+            <a:prstGeom prst="rect">
+              <a:avLst/>
+            </a:prstGeom>
+          </p:spPr>
+        </p:pic>
+      </p:grpSp>
+    </p:spTree>
+    <p:extLst>
+      <p:ext uri="{BB962C8B-B14F-4D97-AF65-F5344CB8AC3E}">
+        <p14:creationId xmlns:p14="http://schemas.microsoft.com/office/powerpoint/2010/main" val="174469489"/>
+      </p:ext>
+    </p:extLst>
+  </p:cSld>
+  <p:clrMapOvr>
+    <a:masterClrMapping/>
+  </p:clrMapOvr>
+</p:sld>
+</file>
+
+<file path=ppt/slides/slide19.xml><?xml version="1.0" encoding="utf-8"?>
+<p:sld xmlns:a="http://schemas.openxmlformats.org/drawingml/2006/main" xmlns:r="http://schemas.openxmlformats.org/officeDocument/2006/relationships" xmlns:p="http://schemas.openxmlformats.org/presentationml/2006/main">
+  <p:cSld>
+    <p:spTree>
+      <p:nvGrpSpPr>
+        <p:cNvPr id="1" name=""/>
+        <p:cNvGrpSpPr/>
+        <p:nvPr/>
+      </p:nvGrpSpPr>
+      <p:grpSpPr>
+        <a:xfrm>
+          <a:off x="0" y="0"/>
+          <a:ext cx="0" cy="0"/>
+          <a:chOff x="0" y="0"/>
+          <a:chExt cx="0" cy="0"/>
+        </a:xfrm>
+      </p:grpSpPr>
+      <p:grpSp>
+        <p:nvGrpSpPr>
+          <p:cNvPr id="27" name="群組 26"/>
+          <p:cNvGrpSpPr/>
+          <p:nvPr/>
+        </p:nvGrpSpPr>
+        <p:grpSpPr>
+          <a:xfrm>
+            <a:off x="1045882" y="2151529"/>
+            <a:ext cx="4749794" cy="701407"/>
+            <a:chOff x="1045882" y="2151529"/>
+            <a:chExt cx="4749794" cy="701407"/>
+          </a:xfrm>
+        </p:grpSpPr>
+        <p:sp>
+          <p:nvSpPr>
+            <p:cNvPr id="2" name="文字方塊 1"/>
+            <p:cNvSpPr txBox="1"/>
+            <p:nvPr/>
+          </p:nvSpPr>
+          <p:spPr>
+            <a:xfrm>
+              <a:off x="1045882" y="2151529"/>
+              <a:ext cx="731090" cy="646331"/>
+            </a:xfrm>
+            <a:prstGeom prst="rect">
+              <a:avLst/>
+            </a:prstGeom>
+            <a:noFill/>
+          </p:spPr>
+          <p:txBody>
+            <a:bodyPr wrap="none" rtlCol="0">
+              <a:spAutoFit/>
+            </a:bodyPr>
+            <a:lstStyle/>
+            <a:p>
+              <a:r>
+                <a:rPr kumimoji="1" lang="en-US" altLang="zh-TW" sz="3600" dirty="0" smtClean="0"/>
+                <a:t>F = </a:t>
+              </a:r>
+              <a:endParaRPr kumimoji="1" lang="zh-TW" altLang="en-US" sz="3600" dirty="0"/>
+            </a:p>
+          </p:txBody>
+        </p:sp>
+        <p:sp>
+          <p:nvSpPr>
+            <p:cNvPr id="3" name="左右括弧 2"/>
+            <p:cNvSpPr/>
+            <p:nvPr/>
+          </p:nvSpPr>
+          <p:spPr>
+            <a:xfrm>
+              <a:off x="1835689" y="2276872"/>
+              <a:ext cx="3959987" cy="461665"/>
+            </a:xfrm>
+            <a:prstGeom prst="bracketPair">
+              <a:avLst/>
+            </a:prstGeom>
+            <a:noFill/>
+            <a:ln w="57150">
+              <a:solidFill>
+                <a:srgbClr val="3366FF"/>
+              </a:solidFill>
+            </a:ln>
+          </p:spPr>
+          <p:style>
+            <a:lnRef idx="1">
+              <a:schemeClr val="accent2"/>
+            </a:lnRef>
+            <a:fillRef idx="0">
+              <a:schemeClr val="accent2"/>
+            </a:fillRef>
+            <a:effectRef idx="0">
+              <a:schemeClr val="accent2"/>
+            </a:effectRef>
+            <a:fontRef idx="minor">
+              <a:schemeClr val="tx1"/>
+            </a:fontRef>
+          </p:style>
+          <p:txBody>
+            <a:bodyPr rtlCol="0" anchor="ctr"/>
+            <a:lstStyle/>
+            <a:p>
+              <a:pPr algn="ctr"/>
+              <a:endParaRPr lang="zh-TW" altLang="en-US"/>
+            </a:p>
+          </p:txBody>
+        </p:sp>
+        <p:sp>
+          <p:nvSpPr>
+            <p:cNvPr id="5" name="矩形 4"/>
+            <p:cNvSpPr/>
+            <p:nvPr/>
+          </p:nvSpPr>
+          <p:spPr>
+            <a:xfrm>
+              <a:off x="1979712" y="2348880"/>
+              <a:ext cx="648072" cy="360040"/>
+            </a:xfrm>
+            <a:prstGeom prst="rect">
+              <a:avLst/>
+            </a:prstGeom>
+            <a:noFill/>
+            <a:ln>
+              <a:solidFill>
+                <a:schemeClr val="accent3">
+                  <a:lumMod val="60000"/>
+                  <a:lumOff val="40000"/>
+                </a:schemeClr>
+              </a:solidFill>
+            </a:ln>
+          </p:spPr>
+          <p:style>
+            <a:lnRef idx="2">
+              <a:schemeClr val="accent3">
+                <a:shade val="50000"/>
+              </a:schemeClr>
+            </a:lnRef>
+            <a:fillRef idx="1">
+              <a:schemeClr val="accent3"/>
+            </a:fillRef>
+            <a:effectRef idx="0">
+              <a:schemeClr val="accent3"/>
+            </a:effectRef>
+            <a:fontRef idx="minor">
+              <a:schemeClr val="lt1"/>
+            </a:fontRef>
+          </p:style>
+          <p:txBody>
+            <a:bodyPr rtlCol="0" anchor="ctr"/>
+            <a:lstStyle/>
+            <a:p>
+              <a:pPr algn="ctr"/>
+              <a:r>
+                <a:rPr lang="en-US" altLang="zh-TW" sz="1600" dirty="0" smtClean="0">
+                  <a:solidFill>
+                    <a:schemeClr val="tx1"/>
+                  </a:solidFill>
+                  <a:latin typeface="Times New Roman"/>
+                  <a:cs typeface="Times New Roman"/>
+                </a:rPr>
+                <a:t>Key1</a:t>
+              </a:r>
+              <a:endParaRPr lang="zh-TW" altLang="en-US" sz="1600" dirty="0">
+                <a:solidFill>
+                  <a:schemeClr val="tx1"/>
+                </a:solidFill>
+                <a:latin typeface="Times New Roman"/>
+                <a:cs typeface="Times New Roman"/>
+              </a:endParaRPr>
+            </a:p>
+          </p:txBody>
+        </p:sp>
+        <p:sp>
+          <p:nvSpPr>
+            <p:cNvPr id="7" name="矩形 6"/>
+            <p:cNvSpPr/>
+            <p:nvPr/>
+          </p:nvSpPr>
+          <p:spPr>
+            <a:xfrm>
+              <a:off x="3995936" y="2348880"/>
+              <a:ext cx="648072" cy="360040"/>
+            </a:xfrm>
+            <a:prstGeom prst="rect">
+              <a:avLst/>
+            </a:prstGeom>
+            <a:noFill/>
+            <a:ln>
+              <a:solidFill>
+                <a:srgbClr val="C3D69B"/>
+              </a:solidFill>
+            </a:ln>
+          </p:spPr>
+          <p:style>
+            <a:lnRef idx="2">
+              <a:schemeClr val="accent3">
+                <a:shade val="50000"/>
+              </a:schemeClr>
+            </a:lnRef>
+            <a:fillRef idx="1">
+              <a:schemeClr val="accent3"/>
+            </a:fillRef>
+            <a:effectRef idx="0">
+              <a:schemeClr val="accent3"/>
+            </a:effectRef>
+            <a:fontRef idx="minor">
+              <a:schemeClr val="lt1"/>
+            </a:fontRef>
+          </p:style>
+          <p:txBody>
+            <a:bodyPr rtlCol="0" anchor="ctr"/>
+            <a:lstStyle/>
+            <a:p>
+              <a:pPr algn="ctr"/>
+              <a:r>
+                <a:rPr lang="en-US" altLang="zh-TW" sz="1600" dirty="0" smtClean="0">
+                  <a:solidFill>
+                    <a:srgbClr val="000000"/>
+                  </a:solidFill>
+                  <a:latin typeface="Times New Roman"/>
+                  <a:cs typeface="Times New Roman"/>
+                </a:rPr>
+                <a:t>Key3</a:t>
+              </a:r>
+              <a:endParaRPr lang="zh-TW" altLang="en-US" sz="1600" dirty="0">
+                <a:solidFill>
+                  <a:srgbClr val="000000"/>
+                </a:solidFill>
+                <a:latin typeface="Times New Roman"/>
+                <a:cs typeface="Times New Roman"/>
+              </a:endParaRPr>
+            </a:p>
+          </p:txBody>
+        </p:sp>
+        <p:sp>
+          <p:nvSpPr>
+            <p:cNvPr id="8" name="矩形 7"/>
+            <p:cNvSpPr/>
+            <p:nvPr/>
+          </p:nvSpPr>
+          <p:spPr>
+            <a:xfrm>
+              <a:off x="5004048" y="2348880"/>
+              <a:ext cx="648072" cy="360040"/>
+            </a:xfrm>
+            <a:prstGeom prst="rect">
+              <a:avLst/>
+            </a:prstGeom>
+            <a:noFill/>
+            <a:ln>
+              <a:solidFill>
+                <a:srgbClr val="C3D69B"/>
+              </a:solidFill>
+            </a:ln>
+          </p:spPr>
+          <p:style>
+            <a:lnRef idx="2">
+              <a:schemeClr val="accent3">
+                <a:shade val="50000"/>
+              </a:schemeClr>
+            </a:lnRef>
+            <a:fillRef idx="1">
+              <a:schemeClr val="accent3"/>
+            </a:fillRef>
+            <a:effectRef idx="0">
+              <a:schemeClr val="accent3"/>
+            </a:effectRef>
+            <a:fontRef idx="minor">
+              <a:schemeClr val="lt1"/>
+            </a:fontRef>
+          </p:style>
+          <p:txBody>
+            <a:bodyPr rtlCol="0" anchor="ctr"/>
+            <a:lstStyle/>
+            <a:p>
+              <a:pPr algn="ctr"/>
+              <a:r>
+                <a:rPr lang="en-US" altLang="zh-TW" sz="1600" dirty="0" smtClean="0">
+                  <a:solidFill>
+                    <a:srgbClr val="000000"/>
+                  </a:solidFill>
+                  <a:latin typeface="Times New Roman"/>
+                  <a:cs typeface="Times New Roman"/>
+                </a:rPr>
+                <a:t>Key4</a:t>
+              </a:r>
+              <a:endParaRPr lang="zh-TW" altLang="en-US" sz="1600" dirty="0">
+                <a:solidFill>
+                  <a:srgbClr val="000000"/>
+                </a:solidFill>
+                <a:latin typeface="Times New Roman"/>
+                <a:cs typeface="Times New Roman"/>
+              </a:endParaRPr>
+            </a:p>
+          </p:txBody>
+        </p:sp>
+        <p:sp>
+          <p:nvSpPr>
+            <p:cNvPr id="9" name="文字方塊 8"/>
+            <p:cNvSpPr txBox="1"/>
+            <p:nvPr/>
+          </p:nvSpPr>
+          <p:spPr>
+            <a:xfrm>
+              <a:off x="2641557" y="2329716"/>
+              <a:ext cx="274259" cy="523220"/>
+            </a:xfrm>
+            <a:prstGeom prst="rect">
+              <a:avLst/>
+            </a:prstGeom>
+            <a:noFill/>
+          </p:spPr>
+          <p:txBody>
+            <a:bodyPr wrap="none" rtlCol="0">
+              <a:spAutoFit/>
+            </a:bodyPr>
+            <a:lstStyle/>
+            <a:p>
+              <a:r>
+                <a:rPr kumimoji="1" lang="en-US" altLang="zh-TW" sz="2800" dirty="0"/>
+                <a:t>,</a:t>
+              </a:r>
+              <a:endParaRPr kumimoji="1" lang="zh-TW" altLang="en-US" sz="2800" dirty="0"/>
+            </a:p>
+          </p:txBody>
+        </p:sp>
+        <p:sp>
+          <p:nvSpPr>
+            <p:cNvPr id="10" name="文字方塊 9"/>
+            <p:cNvSpPr txBox="1"/>
+            <p:nvPr/>
+          </p:nvSpPr>
+          <p:spPr>
+            <a:xfrm>
+              <a:off x="3649669" y="2329716"/>
+              <a:ext cx="274259" cy="523220"/>
+            </a:xfrm>
+            <a:prstGeom prst="rect">
+              <a:avLst/>
+            </a:prstGeom>
+            <a:noFill/>
+          </p:spPr>
+          <p:txBody>
+            <a:bodyPr wrap="none" rtlCol="0">
+              <a:spAutoFit/>
+            </a:bodyPr>
+            <a:lstStyle/>
+            <a:p>
+              <a:r>
+                <a:rPr kumimoji="1" lang="en-US" altLang="zh-TW" sz="2800" dirty="0"/>
+                <a:t>,</a:t>
+              </a:r>
+              <a:endParaRPr kumimoji="1" lang="zh-TW" altLang="en-US" sz="2800" dirty="0"/>
+            </a:p>
+          </p:txBody>
+        </p:sp>
+        <p:sp>
+          <p:nvSpPr>
+            <p:cNvPr id="11" name="文字方塊 10"/>
+            <p:cNvSpPr txBox="1"/>
+            <p:nvPr/>
+          </p:nvSpPr>
+          <p:spPr>
+            <a:xfrm>
+              <a:off x="4657781" y="2276872"/>
+              <a:ext cx="274259" cy="523220"/>
+            </a:xfrm>
+            <a:prstGeom prst="rect">
+              <a:avLst/>
+            </a:prstGeom>
+            <a:noFill/>
+          </p:spPr>
+          <p:txBody>
+            <a:bodyPr wrap="none" rtlCol="0">
+              <a:spAutoFit/>
+            </a:bodyPr>
+            <a:lstStyle/>
+            <a:p>
+              <a:r>
+                <a:rPr kumimoji="1" lang="en-US" altLang="zh-TW" sz="2800" dirty="0"/>
+                <a:t>,</a:t>
+              </a:r>
+              <a:endParaRPr kumimoji="1" lang="zh-TW" altLang="en-US" sz="2800" dirty="0"/>
+            </a:p>
+          </p:txBody>
+        </p:sp>
+        <p:sp>
+          <p:nvSpPr>
+            <p:cNvPr id="14" name="矩形 13"/>
+            <p:cNvSpPr/>
+            <p:nvPr/>
+          </p:nvSpPr>
+          <p:spPr>
+            <a:xfrm>
+              <a:off x="2987824" y="2348880"/>
+              <a:ext cx="648072" cy="360040"/>
+            </a:xfrm>
+            <a:prstGeom prst="rect">
+              <a:avLst/>
+            </a:prstGeom>
+            <a:noFill/>
+            <a:ln>
+              <a:solidFill>
+                <a:schemeClr val="accent3">
+                  <a:lumMod val="60000"/>
+                  <a:lumOff val="40000"/>
+                </a:schemeClr>
+              </a:solidFill>
+            </a:ln>
+          </p:spPr>
+          <p:style>
+            <a:lnRef idx="2">
+              <a:schemeClr val="accent3">
+                <a:shade val="50000"/>
+              </a:schemeClr>
+            </a:lnRef>
+            <a:fillRef idx="1">
+              <a:schemeClr val="accent3"/>
+            </a:fillRef>
+            <a:effectRef idx="0">
+              <a:schemeClr val="accent3"/>
+            </a:effectRef>
+            <a:fontRef idx="minor">
+              <a:schemeClr val="lt1"/>
+            </a:fontRef>
+          </p:style>
+          <p:txBody>
+            <a:bodyPr rtlCol="0" anchor="ctr"/>
+            <a:lstStyle/>
+            <a:p>
+              <a:pPr algn="ctr"/>
+              <a:r>
+                <a:rPr lang="en-US" altLang="zh-TW" sz="1600" dirty="0" smtClean="0">
+                  <a:solidFill>
+                    <a:schemeClr val="tx1"/>
+                  </a:solidFill>
+                  <a:latin typeface="Times New Roman"/>
+                  <a:cs typeface="Times New Roman"/>
+                </a:rPr>
+                <a:t>Key2</a:t>
+              </a:r>
+              <a:endParaRPr lang="zh-TW" altLang="en-US" sz="1600" dirty="0">
+                <a:solidFill>
+                  <a:schemeClr val="tx1"/>
+                </a:solidFill>
+                <a:latin typeface="Times New Roman"/>
+                <a:cs typeface="Times New Roman"/>
+              </a:endParaRPr>
+            </a:p>
+          </p:txBody>
+        </p:sp>
+      </p:grpSp>
+      <p:grpSp>
+        <p:nvGrpSpPr>
+          <p:cNvPr id="26" name="群組 25"/>
+          <p:cNvGrpSpPr/>
+          <p:nvPr/>
+        </p:nvGrpSpPr>
+        <p:grpSpPr>
+          <a:xfrm>
+            <a:off x="1024476" y="3810000"/>
+            <a:ext cx="4915676" cy="699120"/>
+            <a:chOff x="1240118" y="3810000"/>
+            <a:chExt cx="4915676" cy="699120"/>
+          </a:xfrm>
+        </p:grpSpPr>
+        <p:sp>
+          <p:nvSpPr>
+            <p:cNvPr id="17" name="文字方塊 16"/>
+            <p:cNvSpPr txBox="1"/>
+            <p:nvPr/>
+          </p:nvSpPr>
+          <p:spPr>
+            <a:xfrm>
+              <a:off x="1240118" y="3810000"/>
+              <a:ext cx="1667494" cy="646331"/>
+            </a:xfrm>
+            <a:prstGeom prst="rect">
+              <a:avLst/>
+            </a:prstGeom>
+            <a:noFill/>
+          </p:spPr>
+          <p:txBody>
+            <a:bodyPr wrap="none" rtlCol="0">
+              <a:spAutoFit/>
+            </a:bodyPr>
+            <a:lstStyle/>
+            <a:p>
+              <a:r>
+                <a:rPr kumimoji="1" lang="en-US" altLang="zh-TW" sz="3600" dirty="0" smtClean="0"/>
+                <a:t>Levels =</a:t>
+              </a:r>
+              <a:endParaRPr kumimoji="1" lang="zh-TW" altLang="en-US" sz="3600" dirty="0"/>
+            </a:p>
+          </p:txBody>
+        </p:sp>
+        <p:sp>
+          <p:nvSpPr>
+            <p:cNvPr id="18" name="左右括弧 17"/>
+            <p:cNvSpPr/>
+            <p:nvPr/>
+          </p:nvSpPr>
+          <p:spPr>
+            <a:xfrm>
+              <a:off x="2915825" y="3933056"/>
+              <a:ext cx="3239969" cy="461665"/>
+            </a:xfrm>
+            <a:prstGeom prst="bracketPair">
+              <a:avLst/>
+            </a:prstGeom>
+            <a:noFill/>
+            <a:ln w="57150">
+              <a:solidFill>
+                <a:srgbClr val="3366FF"/>
+              </a:solidFill>
+            </a:ln>
+          </p:spPr>
+          <p:style>
+            <a:lnRef idx="1">
+              <a:schemeClr val="accent2"/>
+            </a:lnRef>
+            <a:fillRef idx="0">
+              <a:schemeClr val="accent2"/>
+            </a:fillRef>
+            <a:effectRef idx="0">
+              <a:schemeClr val="accent2"/>
+            </a:effectRef>
+            <a:fontRef idx="minor">
+              <a:schemeClr val="tx1"/>
+            </a:fontRef>
+          </p:style>
+          <p:txBody>
+            <a:bodyPr rtlCol="0" anchor="ctr"/>
+            <a:lstStyle/>
+            <a:p>
+              <a:pPr algn="ctr"/>
+              <a:endParaRPr lang="zh-TW" altLang="en-US"/>
+            </a:p>
+          </p:txBody>
+        </p:sp>
+        <p:sp>
+          <p:nvSpPr>
+            <p:cNvPr id="19" name="矩形 18"/>
+            <p:cNvSpPr/>
+            <p:nvPr/>
+          </p:nvSpPr>
+          <p:spPr>
+            <a:xfrm>
+              <a:off x="3059832" y="4005064"/>
+              <a:ext cx="784167" cy="360040"/>
+            </a:xfrm>
+            <a:prstGeom prst="rect">
+              <a:avLst/>
+            </a:prstGeom>
+            <a:noFill/>
+            <a:ln>
+              <a:solidFill>
+                <a:schemeClr val="accent3">
+                  <a:lumMod val="60000"/>
+                  <a:lumOff val="40000"/>
+                </a:schemeClr>
+              </a:solidFill>
+            </a:ln>
+          </p:spPr>
+          <p:style>
+            <a:lnRef idx="2">
+              <a:schemeClr val="accent3">
+                <a:shade val="50000"/>
+              </a:schemeClr>
+            </a:lnRef>
+            <a:fillRef idx="1">
+              <a:schemeClr val="accent3"/>
+            </a:fillRef>
+            <a:effectRef idx="0">
+              <a:schemeClr val="accent3"/>
+            </a:effectRef>
+            <a:fontRef idx="minor">
+              <a:schemeClr val="lt1"/>
+            </a:fontRef>
+          </p:style>
+          <p:txBody>
+            <a:bodyPr rtlCol="0" anchor="ctr"/>
+            <a:lstStyle/>
+            <a:p>
+              <a:pPr algn="ctr"/>
+              <a:r>
+                <a:rPr lang="en-US" altLang="zh-TW" sz="1600" dirty="0" smtClean="0">
+                  <a:solidFill>
+                    <a:schemeClr val="tx1"/>
+                  </a:solidFill>
+                  <a:latin typeface="Times New Roman"/>
+                  <a:cs typeface="Times New Roman"/>
+                </a:rPr>
+                <a:t>Value1</a:t>
+              </a:r>
+              <a:endParaRPr lang="zh-TW" altLang="en-US" sz="1600" dirty="0">
+                <a:solidFill>
+                  <a:schemeClr val="tx1"/>
+                </a:solidFill>
+                <a:latin typeface="Times New Roman"/>
+                <a:cs typeface="Times New Roman"/>
+              </a:endParaRPr>
+            </a:p>
+          </p:txBody>
+        </p:sp>
+        <p:sp>
+          <p:nvSpPr>
+            <p:cNvPr id="20" name="矩形 19"/>
+            <p:cNvSpPr/>
+            <p:nvPr/>
+          </p:nvSpPr>
+          <p:spPr>
+            <a:xfrm>
+              <a:off x="5227993" y="4005064"/>
+              <a:ext cx="784167" cy="360040"/>
+            </a:xfrm>
+            <a:prstGeom prst="rect">
+              <a:avLst/>
+            </a:prstGeom>
+            <a:noFill/>
+            <a:ln>
+              <a:solidFill>
+                <a:srgbClr val="C3D69B"/>
+              </a:solidFill>
+            </a:ln>
+          </p:spPr>
+          <p:style>
+            <a:lnRef idx="2">
+              <a:schemeClr val="accent3">
+                <a:shade val="50000"/>
+              </a:schemeClr>
+            </a:lnRef>
+            <a:fillRef idx="1">
+              <a:schemeClr val="accent3"/>
+            </a:fillRef>
+            <a:effectRef idx="0">
+              <a:schemeClr val="accent3"/>
+            </a:effectRef>
+            <a:fontRef idx="minor">
+              <a:schemeClr val="lt1"/>
+            </a:fontRef>
+          </p:style>
+          <p:txBody>
+            <a:bodyPr rtlCol="0" anchor="ctr"/>
+            <a:lstStyle/>
+            <a:p>
+              <a:pPr algn="ctr"/>
+              <a:r>
+                <a:rPr lang="en-US" altLang="zh-TW" sz="1600" dirty="0" smtClean="0">
+                  <a:solidFill>
+                    <a:srgbClr val="000000"/>
+                  </a:solidFill>
+                  <a:latin typeface="Times New Roman"/>
+                  <a:cs typeface="Times New Roman"/>
+                </a:rPr>
+                <a:t>Value3</a:t>
+              </a:r>
+              <a:endParaRPr lang="zh-TW" altLang="en-US" sz="1600" dirty="0">
+                <a:solidFill>
+                  <a:srgbClr val="000000"/>
+                </a:solidFill>
+                <a:latin typeface="Times New Roman"/>
+                <a:cs typeface="Times New Roman"/>
+              </a:endParaRPr>
+            </a:p>
+          </p:txBody>
+        </p:sp>
+        <p:sp>
+          <p:nvSpPr>
+            <p:cNvPr id="22" name="文字方塊 21"/>
+            <p:cNvSpPr txBox="1"/>
+            <p:nvPr/>
+          </p:nvSpPr>
+          <p:spPr>
+            <a:xfrm>
+              <a:off x="3865693" y="3985900"/>
+              <a:ext cx="274259" cy="523220"/>
+            </a:xfrm>
+            <a:prstGeom prst="rect">
+              <a:avLst/>
+            </a:prstGeom>
+            <a:noFill/>
+          </p:spPr>
+          <p:txBody>
+            <a:bodyPr wrap="none" rtlCol="0">
+              <a:spAutoFit/>
+            </a:bodyPr>
+            <a:lstStyle/>
+            <a:p>
+              <a:r>
+                <a:rPr kumimoji="1" lang="en-US" altLang="zh-TW" sz="2800" dirty="0"/>
+                <a:t>,</a:t>
+              </a:r>
+              <a:endParaRPr kumimoji="1" lang="zh-TW" altLang="en-US" sz="2800" dirty="0"/>
+            </a:p>
+          </p:txBody>
+        </p:sp>
+        <p:sp>
+          <p:nvSpPr>
+            <p:cNvPr id="23" name="文字方塊 22"/>
+            <p:cNvSpPr txBox="1"/>
+            <p:nvPr/>
+          </p:nvSpPr>
+          <p:spPr>
+            <a:xfrm>
+              <a:off x="4945813" y="3985900"/>
+              <a:ext cx="274259" cy="523220"/>
+            </a:xfrm>
+            <a:prstGeom prst="rect">
+              <a:avLst/>
+            </a:prstGeom>
+            <a:noFill/>
+          </p:spPr>
+          <p:txBody>
+            <a:bodyPr wrap="none" rtlCol="0">
+              <a:spAutoFit/>
+            </a:bodyPr>
+            <a:lstStyle/>
+            <a:p>
+              <a:r>
+                <a:rPr kumimoji="1" lang="en-US" altLang="zh-TW" sz="2800" dirty="0"/>
+                <a:t>,</a:t>
+              </a:r>
+              <a:endParaRPr kumimoji="1" lang="zh-TW" altLang="en-US" sz="2800" dirty="0"/>
+            </a:p>
+          </p:txBody>
+        </p:sp>
+        <p:sp>
+          <p:nvSpPr>
+            <p:cNvPr id="25" name="矩形 24"/>
+            <p:cNvSpPr/>
+            <p:nvPr/>
+          </p:nvSpPr>
+          <p:spPr>
+            <a:xfrm>
+              <a:off x="4147873" y="4005064"/>
+              <a:ext cx="784167" cy="360040"/>
+            </a:xfrm>
+            <a:prstGeom prst="rect">
+              <a:avLst/>
+            </a:prstGeom>
+            <a:noFill/>
+            <a:ln>
+              <a:solidFill>
+                <a:schemeClr val="accent3">
+                  <a:lumMod val="60000"/>
+                  <a:lumOff val="40000"/>
+                </a:schemeClr>
+              </a:solidFill>
+            </a:ln>
+          </p:spPr>
+          <p:style>
+            <a:lnRef idx="2">
+              <a:schemeClr val="accent3">
+                <a:shade val="50000"/>
+              </a:schemeClr>
+            </a:lnRef>
+            <a:fillRef idx="1">
+              <a:schemeClr val="accent3"/>
+            </a:fillRef>
+            <a:effectRef idx="0">
+              <a:schemeClr val="accent3"/>
+            </a:effectRef>
+            <a:fontRef idx="minor">
+              <a:schemeClr val="lt1"/>
+            </a:fontRef>
+          </p:style>
+          <p:txBody>
+            <a:bodyPr rtlCol="0" anchor="ctr"/>
+            <a:lstStyle/>
+            <a:p>
+              <a:pPr algn="ctr"/>
+              <a:r>
+                <a:rPr lang="en-US" altLang="zh-TW" sz="1600" dirty="0" smtClean="0">
+                  <a:solidFill>
+                    <a:schemeClr val="tx1"/>
+                  </a:solidFill>
+                  <a:latin typeface="Times New Roman"/>
+                  <a:cs typeface="Times New Roman"/>
+                </a:rPr>
+                <a:t>Value2</a:t>
+              </a:r>
+              <a:endParaRPr lang="zh-TW" altLang="en-US" sz="1600" dirty="0">
+                <a:solidFill>
+                  <a:schemeClr val="tx1"/>
+                </a:solidFill>
+                <a:latin typeface="Times New Roman"/>
+                <a:cs typeface="Times New Roman"/>
+              </a:endParaRPr>
+            </a:p>
+          </p:txBody>
+        </p:sp>
+      </p:grpSp>
+      <p:cxnSp>
+        <p:nvCxnSpPr>
+          <p:cNvPr id="33" name="直線箭頭接點 32"/>
+          <p:cNvCxnSpPr/>
+          <p:nvPr/>
+        </p:nvCxnSpPr>
+        <p:spPr>
+          <a:xfrm flipH="1">
+            <a:off x="3203848" y="2852936"/>
+            <a:ext cx="72008" cy="1008112"/>
+          </a:xfrm>
+          <a:prstGeom prst="straightConnector1">
+            <a:avLst/>
+          </a:prstGeom>
+          <a:ln>
+            <a:solidFill>
+              <a:schemeClr val="accent2"/>
+            </a:solidFill>
+            <a:tailEnd type="arrow"/>
+          </a:ln>
+        </p:spPr>
+        <p:style>
+          <a:lnRef idx="2">
+            <a:schemeClr val="accent1"/>
+          </a:lnRef>
+          <a:fillRef idx="0">
+            <a:schemeClr val="accent1"/>
+          </a:fillRef>
+          <a:effectRef idx="1">
+            <a:schemeClr val="accent1"/>
+          </a:effectRef>
+          <a:fontRef idx="minor">
+            <a:schemeClr val="tx1"/>
+          </a:fontRef>
+        </p:style>
+      </p:cxnSp>
+      <p:cxnSp>
+        <p:nvCxnSpPr>
+          <p:cNvPr id="40" name="直線箭頭接點 39"/>
+          <p:cNvCxnSpPr/>
+          <p:nvPr/>
+        </p:nvCxnSpPr>
+        <p:spPr>
+          <a:xfrm flipH="1">
+            <a:off x="4283968" y="2852936"/>
+            <a:ext cx="72008" cy="1008112"/>
+          </a:xfrm>
+          <a:prstGeom prst="straightConnector1">
+            <a:avLst/>
+          </a:prstGeom>
+          <a:ln>
+            <a:solidFill>
+              <a:schemeClr val="accent2"/>
+            </a:solidFill>
+            <a:tailEnd type="arrow"/>
+          </a:ln>
+        </p:spPr>
+        <p:style>
+          <a:lnRef idx="2">
+            <a:schemeClr val="accent1"/>
+          </a:lnRef>
+          <a:fillRef idx="0">
+            <a:schemeClr val="accent1"/>
+          </a:fillRef>
+          <a:effectRef idx="1">
+            <a:schemeClr val="accent1"/>
+          </a:effectRef>
+          <a:fontRef idx="minor">
+            <a:schemeClr val="tx1"/>
+          </a:fontRef>
+        </p:style>
+      </p:cxnSp>
+      <p:cxnSp>
+        <p:nvCxnSpPr>
+          <p:cNvPr id="42" name="直線箭頭接點 41"/>
+          <p:cNvCxnSpPr/>
+          <p:nvPr/>
+        </p:nvCxnSpPr>
+        <p:spPr>
+          <a:xfrm flipH="1">
+            <a:off x="4427984" y="2780928"/>
+            <a:ext cx="936104" cy="1080120"/>
+          </a:xfrm>
+          <a:prstGeom prst="straightConnector1">
+            <a:avLst/>
+          </a:prstGeom>
+          <a:ln>
+            <a:solidFill>
+              <a:schemeClr val="accent2"/>
+            </a:solidFill>
+            <a:tailEnd type="arrow"/>
+          </a:ln>
+        </p:spPr>
+        <p:style>
+          <a:lnRef idx="2">
+            <a:schemeClr val="accent1"/>
+          </a:lnRef>
+          <a:fillRef idx="0">
+            <a:schemeClr val="accent1"/>
+          </a:fillRef>
+          <a:effectRef idx="1">
+            <a:schemeClr val="accent1"/>
+          </a:effectRef>
+          <a:fontRef idx="minor">
+            <a:schemeClr val="tx1"/>
+          </a:fontRef>
+        </p:style>
+      </p:cxnSp>
+      <p:cxnSp>
+        <p:nvCxnSpPr>
+          <p:cNvPr id="44" name="直線箭頭接點 43"/>
+          <p:cNvCxnSpPr/>
+          <p:nvPr/>
+        </p:nvCxnSpPr>
+        <p:spPr>
+          <a:xfrm>
+            <a:off x="2267744" y="2852936"/>
+            <a:ext cx="3168352" cy="1008112"/>
+          </a:xfrm>
+          <a:prstGeom prst="straightConnector1">
+            <a:avLst/>
+          </a:prstGeom>
+          <a:ln>
+            <a:solidFill>
+              <a:schemeClr val="accent2"/>
+            </a:solidFill>
+            <a:tailEnd type="arrow"/>
+          </a:ln>
+        </p:spPr>
+        <p:style>
+          <a:lnRef idx="2">
+            <a:schemeClr val="accent1"/>
+          </a:lnRef>
+          <a:fillRef idx="0">
+            <a:schemeClr val="accent1"/>
+          </a:fillRef>
+          <a:effectRef idx="1">
+            <a:schemeClr val="accent1"/>
+          </a:effectRef>
+          <a:fontRef idx="minor">
+            <a:schemeClr val="tx1"/>
+          </a:fontRef>
+        </p:style>
+      </p:cxnSp>
+      <p:grpSp>
+        <p:nvGrpSpPr>
+          <p:cNvPr id="64" name="群組 63"/>
+          <p:cNvGrpSpPr/>
+          <p:nvPr/>
+        </p:nvGrpSpPr>
+        <p:grpSpPr>
+          <a:xfrm>
+            <a:off x="1118350" y="5175865"/>
+            <a:ext cx="4857792" cy="701407"/>
+            <a:chOff x="1118350" y="5175865"/>
+            <a:chExt cx="4857792" cy="701407"/>
+          </a:xfrm>
+        </p:grpSpPr>
+        <p:sp>
+          <p:nvSpPr>
+            <p:cNvPr id="55" name="文字方塊 54"/>
+            <p:cNvSpPr txBox="1"/>
+            <p:nvPr/>
+          </p:nvSpPr>
+          <p:spPr>
+            <a:xfrm>
+              <a:off x="1118350" y="5175865"/>
+              <a:ext cx="780908" cy="646331"/>
+            </a:xfrm>
+            <a:prstGeom prst="rect">
+              <a:avLst/>
+            </a:prstGeom>
+            <a:noFill/>
+          </p:spPr>
+          <p:txBody>
+            <a:bodyPr wrap="none" rtlCol="0">
+              <a:spAutoFit/>
+            </a:bodyPr>
+            <a:lstStyle/>
+            <a:p>
+              <a:r>
+                <a:rPr kumimoji="1" lang="en-US" altLang="zh-TW" sz="3600" dirty="0"/>
+                <a:t>V</a:t>
+              </a:r>
+              <a:r>
+                <a:rPr kumimoji="1" lang="en-US" altLang="zh-TW" sz="3600" dirty="0" smtClean="0"/>
+                <a:t> = </a:t>
+              </a:r>
+              <a:endParaRPr kumimoji="1" lang="zh-TW" altLang="en-US" sz="3600" dirty="0"/>
+            </a:p>
+          </p:txBody>
+        </p:sp>
+        <p:sp>
+          <p:nvSpPr>
+            <p:cNvPr id="56" name="左右括弧 55"/>
+            <p:cNvSpPr/>
+            <p:nvPr/>
+          </p:nvSpPr>
+          <p:spPr>
+            <a:xfrm>
+              <a:off x="1908158" y="5301208"/>
+              <a:ext cx="4067984" cy="461665"/>
+            </a:xfrm>
+            <a:prstGeom prst="bracketPair">
+              <a:avLst/>
+            </a:prstGeom>
+            <a:noFill/>
+            <a:ln w="57150">
+              <a:solidFill>
+                <a:srgbClr val="3366FF"/>
+              </a:solidFill>
+            </a:ln>
+          </p:spPr>
+          <p:style>
+            <a:lnRef idx="1">
+              <a:schemeClr val="accent2"/>
+            </a:lnRef>
+            <a:fillRef idx="0">
+              <a:schemeClr val="accent2"/>
+            </a:fillRef>
+            <a:effectRef idx="0">
+              <a:schemeClr val="accent2"/>
+            </a:effectRef>
+            <a:fontRef idx="minor">
+              <a:schemeClr val="tx1"/>
+            </a:fontRef>
+          </p:style>
+          <p:txBody>
+            <a:bodyPr rtlCol="0" anchor="ctr"/>
+            <a:lstStyle/>
+            <a:p>
+              <a:pPr algn="ctr"/>
+              <a:endParaRPr lang="zh-TW" altLang="en-US"/>
+            </a:p>
+          </p:txBody>
+        </p:sp>
+        <p:sp>
+          <p:nvSpPr>
+            <p:cNvPr id="57" name="矩形 56"/>
+            <p:cNvSpPr/>
+            <p:nvPr/>
+          </p:nvSpPr>
+          <p:spPr>
+            <a:xfrm>
+              <a:off x="2051720" y="5373216"/>
+              <a:ext cx="756072" cy="360040"/>
+            </a:xfrm>
+            <a:prstGeom prst="rect">
+              <a:avLst/>
+            </a:prstGeom>
+            <a:noFill/>
+            <a:ln>
+              <a:solidFill>
+                <a:schemeClr val="accent3">
+                  <a:lumMod val="60000"/>
+                  <a:lumOff val="40000"/>
+                </a:schemeClr>
+              </a:solidFill>
+            </a:ln>
+          </p:spPr>
+          <p:style>
+            <a:lnRef idx="2">
+              <a:schemeClr val="accent3">
+                <a:shade val="50000"/>
+              </a:schemeClr>
+            </a:lnRef>
+            <a:fillRef idx="1">
+              <a:schemeClr val="accent3"/>
+            </a:fillRef>
+            <a:effectRef idx="0">
+              <a:schemeClr val="accent3"/>
+            </a:effectRef>
+            <a:fontRef idx="minor">
+              <a:schemeClr val="lt1"/>
+            </a:fontRef>
+          </p:style>
+          <p:txBody>
+            <a:bodyPr rtlCol="0" anchor="ctr"/>
+            <a:lstStyle/>
+            <a:p>
+              <a:pPr algn="ctr"/>
+              <a:r>
+                <a:rPr lang="en-US" altLang="zh-TW" sz="1600" dirty="0" smtClean="0">
+                  <a:solidFill>
+                    <a:schemeClr val="tx1"/>
+                  </a:solidFill>
+                  <a:latin typeface="Times New Roman"/>
+                  <a:cs typeface="Times New Roman"/>
+                </a:rPr>
+                <a:t>Value</a:t>
+              </a:r>
+              <a:r>
+                <a:rPr lang="en-US" altLang="zh-TW" sz="1600" dirty="0" smtClean="0">
+                  <a:solidFill>
+                    <a:schemeClr val="tx1"/>
+                  </a:solidFill>
+                  <a:latin typeface="Times New Roman"/>
+                  <a:cs typeface="Times New Roman"/>
+                </a:rPr>
+                <a:t>1</a:t>
+              </a:r>
+              <a:endParaRPr lang="zh-TW" altLang="en-US" sz="1600" dirty="0">
+                <a:solidFill>
+                  <a:schemeClr val="tx1"/>
+                </a:solidFill>
+                <a:latin typeface="Times New Roman"/>
+                <a:cs typeface="Times New Roman"/>
+              </a:endParaRPr>
+            </a:p>
+          </p:txBody>
+        </p:sp>
+        <p:sp>
+          <p:nvSpPr>
+            <p:cNvPr id="58" name="矩形 57"/>
+            <p:cNvSpPr/>
+            <p:nvPr/>
+          </p:nvSpPr>
+          <p:spPr>
+            <a:xfrm>
+              <a:off x="4068404" y="5373216"/>
+              <a:ext cx="756072" cy="360040"/>
+            </a:xfrm>
+            <a:prstGeom prst="rect">
+              <a:avLst/>
+            </a:prstGeom>
+            <a:noFill/>
+            <a:ln>
+              <a:solidFill>
+                <a:srgbClr val="C3D69B"/>
+              </a:solidFill>
+            </a:ln>
+          </p:spPr>
+          <p:style>
+            <a:lnRef idx="2">
+              <a:schemeClr val="accent3">
+                <a:shade val="50000"/>
+              </a:schemeClr>
+            </a:lnRef>
+            <a:fillRef idx="1">
+              <a:schemeClr val="accent3"/>
+            </a:fillRef>
+            <a:effectRef idx="0">
+              <a:schemeClr val="accent3"/>
+            </a:effectRef>
+            <a:fontRef idx="minor">
+              <a:schemeClr val="lt1"/>
+            </a:fontRef>
+          </p:style>
+          <p:txBody>
+            <a:bodyPr rtlCol="0" anchor="ctr"/>
+            <a:lstStyle/>
+            <a:p>
+              <a:pPr algn="ctr"/>
+              <a:r>
+                <a:rPr lang="en-US" altLang="zh-TW" sz="1600" dirty="0" smtClean="0">
+                  <a:solidFill>
+                    <a:srgbClr val="000000"/>
+                  </a:solidFill>
+                  <a:latin typeface="Times New Roman"/>
+                  <a:cs typeface="Times New Roman"/>
+                </a:rPr>
+                <a:t>Value3</a:t>
+              </a:r>
+              <a:endParaRPr lang="zh-TW" altLang="en-US" sz="1600" dirty="0">
+                <a:solidFill>
+                  <a:srgbClr val="000000"/>
+                </a:solidFill>
+                <a:latin typeface="Times New Roman"/>
+                <a:cs typeface="Times New Roman"/>
+              </a:endParaRPr>
+            </a:p>
+          </p:txBody>
+        </p:sp>
+        <p:sp>
+          <p:nvSpPr>
+            <p:cNvPr id="59" name="矩形 58"/>
+            <p:cNvSpPr/>
+            <p:nvPr/>
+          </p:nvSpPr>
+          <p:spPr>
+            <a:xfrm>
+              <a:off x="5076056" y="5373216"/>
+              <a:ext cx="756072" cy="360040"/>
+            </a:xfrm>
+            <a:prstGeom prst="rect">
+              <a:avLst/>
+            </a:prstGeom>
+            <a:noFill/>
+            <a:ln>
+              <a:solidFill>
+                <a:srgbClr val="C3D69B"/>
+              </a:solidFill>
+            </a:ln>
+          </p:spPr>
+          <p:style>
+            <a:lnRef idx="2">
+              <a:schemeClr val="accent3">
+                <a:shade val="50000"/>
+              </a:schemeClr>
+            </a:lnRef>
+            <a:fillRef idx="1">
+              <a:schemeClr val="accent3"/>
+            </a:fillRef>
+            <a:effectRef idx="0">
+              <a:schemeClr val="accent3"/>
+            </a:effectRef>
+            <a:fontRef idx="minor">
+              <a:schemeClr val="lt1"/>
+            </a:fontRef>
+          </p:style>
+          <p:txBody>
+            <a:bodyPr rtlCol="0" anchor="ctr"/>
+            <a:lstStyle/>
+            <a:p>
+              <a:pPr algn="ctr"/>
+              <a:r>
+                <a:rPr lang="en-US" altLang="zh-TW" sz="1600" dirty="0" smtClean="0">
+                  <a:solidFill>
+                    <a:srgbClr val="000000"/>
+                  </a:solidFill>
+                  <a:latin typeface="Times New Roman"/>
+                  <a:cs typeface="Times New Roman"/>
+                </a:rPr>
+                <a:t>Value</a:t>
+              </a:r>
+              <a:r>
+                <a:rPr lang="en-US" altLang="zh-TW" sz="1600" dirty="0" smtClean="0">
+                  <a:solidFill>
+                    <a:srgbClr val="000000"/>
+                  </a:solidFill>
+                  <a:latin typeface="Times New Roman"/>
+                  <a:cs typeface="Times New Roman"/>
+                </a:rPr>
+                <a:t>4</a:t>
+              </a:r>
+              <a:endParaRPr lang="zh-TW" altLang="en-US" sz="1600" dirty="0">
+                <a:solidFill>
+                  <a:srgbClr val="000000"/>
+                </a:solidFill>
+                <a:latin typeface="Times New Roman"/>
+                <a:cs typeface="Times New Roman"/>
+              </a:endParaRPr>
+            </a:p>
+          </p:txBody>
+        </p:sp>
+        <p:sp>
+          <p:nvSpPr>
+            <p:cNvPr id="60" name="文字方塊 59"/>
+            <p:cNvSpPr txBox="1"/>
+            <p:nvPr/>
+          </p:nvSpPr>
+          <p:spPr>
+            <a:xfrm>
+              <a:off x="2785573" y="5354052"/>
+              <a:ext cx="274259" cy="523220"/>
+            </a:xfrm>
+            <a:prstGeom prst="rect">
+              <a:avLst/>
+            </a:prstGeom>
+            <a:noFill/>
+          </p:spPr>
+          <p:txBody>
+            <a:bodyPr wrap="none" rtlCol="0">
+              <a:spAutoFit/>
+            </a:bodyPr>
+            <a:lstStyle/>
+            <a:p>
+              <a:r>
+                <a:rPr kumimoji="1" lang="en-US" altLang="zh-TW" sz="2800" dirty="0"/>
+                <a:t>,</a:t>
+              </a:r>
+              <a:endParaRPr kumimoji="1" lang="zh-TW" altLang="en-US" sz="2800" dirty="0"/>
+            </a:p>
+          </p:txBody>
+        </p:sp>
+        <p:sp>
+          <p:nvSpPr>
+            <p:cNvPr id="61" name="文字方塊 60"/>
+            <p:cNvSpPr txBox="1"/>
+            <p:nvPr/>
+          </p:nvSpPr>
+          <p:spPr>
+            <a:xfrm>
+              <a:off x="3779912" y="5354052"/>
+              <a:ext cx="274259" cy="523220"/>
+            </a:xfrm>
+            <a:prstGeom prst="rect">
+              <a:avLst/>
+            </a:prstGeom>
+            <a:noFill/>
+          </p:spPr>
+          <p:txBody>
+            <a:bodyPr wrap="none" rtlCol="0">
+              <a:spAutoFit/>
+            </a:bodyPr>
+            <a:lstStyle/>
+            <a:p>
+              <a:r>
+                <a:rPr kumimoji="1" lang="en-US" altLang="zh-TW" sz="2800" dirty="0"/>
+                <a:t>,</a:t>
+              </a:r>
+              <a:endParaRPr kumimoji="1" lang="zh-TW" altLang="en-US" sz="2800" dirty="0"/>
+            </a:p>
+          </p:txBody>
+        </p:sp>
+        <p:sp>
+          <p:nvSpPr>
+            <p:cNvPr id="62" name="文字方塊 61"/>
+            <p:cNvSpPr txBox="1"/>
+            <p:nvPr/>
+          </p:nvSpPr>
+          <p:spPr>
+            <a:xfrm>
+              <a:off x="4801797" y="5354052"/>
+              <a:ext cx="274259" cy="523220"/>
+            </a:xfrm>
+            <a:prstGeom prst="rect">
+              <a:avLst/>
+            </a:prstGeom>
+            <a:noFill/>
+          </p:spPr>
+          <p:txBody>
+            <a:bodyPr wrap="none" rtlCol="0">
+              <a:spAutoFit/>
+            </a:bodyPr>
+            <a:lstStyle/>
+            <a:p>
+              <a:r>
+                <a:rPr kumimoji="1" lang="en-US" altLang="zh-TW" sz="2800" dirty="0"/>
+                <a:t>,</a:t>
+              </a:r>
+              <a:endParaRPr kumimoji="1" lang="zh-TW" altLang="en-US" sz="2800" dirty="0"/>
+            </a:p>
+          </p:txBody>
+        </p:sp>
+        <p:sp>
+          <p:nvSpPr>
+            <p:cNvPr id="63" name="矩形 62"/>
+            <p:cNvSpPr/>
+            <p:nvPr/>
+          </p:nvSpPr>
+          <p:spPr>
+            <a:xfrm>
+              <a:off x="3059832" y="5373216"/>
+              <a:ext cx="756072" cy="360040"/>
+            </a:xfrm>
+            <a:prstGeom prst="rect">
+              <a:avLst/>
+            </a:prstGeom>
+            <a:noFill/>
+            <a:ln>
+              <a:solidFill>
+                <a:schemeClr val="accent3">
+                  <a:lumMod val="60000"/>
+                  <a:lumOff val="40000"/>
+                </a:schemeClr>
+              </a:solidFill>
+            </a:ln>
+          </p:spPr>
+          <p:style>
+            <a:lnRef idx="2">
+              <a:schemeClr val="accent3">
+                <a:shade val="50000"/>
+              </a:schemeClr>
+            </a:lnRef>
+            <a:fillRef idx="1">
+              <a:schemeClr val="accent3"/>
+            </a:fillRef>
+            <a:effectRef idx="0">
+              <a:schemeClr val="accent3"/>
+            </a:effectRef>
+            <a:fontRef idx="minor">
+              <a:schemeClr val="lt1"/>
+            </a:fontRef>
+          </p:style>
+          <p:txBody>
+            <a:bodyPr rtlCol="0" anchor="ctr"/>
+            <a:lstStyle/>
+            <a:p>
+              <a:pPr algn="ctr"/>
+              <a:r>
+                <a:rPr lang="en-US" altLang="zh-TW" sz="1600" dirty="0" smtClean="0">
+                  <a:solidFill>
+                    <a:schemeClr val="tx1"/>
+                  </a:solidFill>
+                  <a:latin typeface="Times New Roman"/>
+                  <a:cs typeface="Times New Roman"/>
+                </a:rPr>
+                <a:t>Value</a:t>
+              </a:r>
+              <a:r>
+                <a:rPr lang="en-US" altLang="zh-TW" sz="1600" dirty="0" smtClean="0">
+                  <a:solidFill>
+                    <a:schemeClr val="tx1"/>
+                  </a:solidFill>
+                  <a:latin typeface="Times New Roman"/>
+                  <a:cs typeface="Times New Roman"/>
+                </a:rPr>
+                <a:t>2</a:t>
+              </a:r>
+              <a:endParaRPr lang="zh-TW" altLang="en-US" sz="1600" dirty="0">
+                <a:solidFill>
+                  <a:schemeClr val="tx1"/>
+                </a:solidFill>
+                <a:latin typeface="Times New Roman"/>
+                <a:cs typeface="Times New Roman"/>
+              </a:endParaRPr>
+            </a:p>
+          </p:txBody>
+        </p:sp>
+      </p:grpSp>
+    </p:spTree>
+    <p:extLst>
+      <p:ext uri="{BB962C8B-B14F-4D97-AF65-F5344CB8AC3E}">
+        <p14:creationId xmlns:p14="http://schemas.microsoft.com/office/powerpoint/2010/main" val="3317686052"/>
+      </p:ext>
+    </p:extLst>
+  </p:cSld>
+  <p:clrMapOvr>
+    <a:masterClrMapping/>
+  </p:clrMapOvr>
+</p:sld>
+</file>
+
 <file path=ppt/slides/slide2.xml><?xml version="1.0" encoding="utf-8"?>
 <p:sld xmlns:a="http://schemas.openxmlformats.org/drawingml/2006/main" xmlns:r="http://schemas.openxmlformats.org/officeDocument/2006/relationships" xmlns:p="http://schemas.openxmlformats.org/presentationml/2006/main">
   <p:cSld>
